--- a/Poster/Poster.pptx
+++ b/Poster/Poster.pptx
@@ -765,7 +765,7 @@
           </a:bodyPr>
           <a:lstStyle/>
           <a:p>
-            <a:endParaRPr lang="en-US"/>
+            <a:endParaRPr lang="en-US" dirty="0"/>
           </a:p>
         </p:txBody>
       </p:sp>
@@ -30000,13 +30000,18 @@
         <p:spPr>
           <a:xfrm>
             <a:off x="11587165" y="6659833"/>
-            <a:ext cx="10048874" cy="6143198"/>
+            <a:ext cx="10048874" cy="7143728"/>
           </a:xfrm>
         </p:spPr>
         <p:txBody>
           <a:bodyPr/>
           <a:lstStyle/>
           <a:p>
+            <a:pPr>
+              <a:lnSpc>
+                <a:spcPts val="3800"/>
+              </a:lnSpc>
+            </a:pPr>
             <a:r>
               <a:rPr lang="en-US" b="1" dirty="0" smtClean="0"/>
               <a:t>Database Read</a:t>
@@ -30014,6 +30019,9 @@
           </a:p>
           <a:p>
             <a:pPr marL="457200" indent="-457200">
+              <a:lnSpc>
+                <a:spcPts val="3800"/>
+              </a:lnSpc>
               <a:buFont typeface="Arial" panose="020B0604020202020204" pitchFamily="34" charset="0"/>
               <a:buChar char="•"/>
             </a:pPr>
@@ -30021,19 +30029,62 @@
           </a:p>
           <a:p>
             <a:pPr marL="457200" indent="-457200">
+              <a:lnSpc>
+                <a:spcPts val="3800"/>
+              </a:lnSpc>
               <a:buFont typeface="Arial" panose="020B0604020202020204" pitchFamily="34" charset="0"/>
               <a:buChar char="•"/>
             </a:pPr>
             <a:endParaRPr lang="en-US" b="1" dirty="0"/>
           </a:p>
           <a:p>
+            <a:pPr>
+              <a:lnSpc>
+                <a:spcPts val="3800"/>
+              </a:lnSpc>
+            </a:pPr>
             <a:r>
               <a:rPr lang="en-US" b="1" dirty="0" smtClean="0"/>
               <a:t>Course Search</a:t>
             </a:r>
           </a:p>
           <a:p>
+            <a:pPr>
+              <a:lnSpc>
+                <a:spcPts val="3800"/>
+              </a:lnSpc>
+            </a:pPr>
+            <a:r>
+              <a:rPr lang="en-US" dirty="0" smtClean="0"/>
+              <a:t>Courses</a:t>
+            </a:r>
+          </a:p>
+          <a:p>
             <a:pPr marL="457200" indent="-457200">
+              <a:lnSpc>
+                <a:spcPts val="3800"/>
+              </a:lnSpc>
+              <a:buFont typeface="Arial" panose="020B0604020202020204" pitchFamily="34" charset="0"/>
+              <a:buChar char="•"/>
+            </a:pPr>
+            <a:endParaRPr lang="en-US" b="1" dirty="0"/>
+          </a:p>
+          <a:p>
+            <a:pPr>
+              <a:lnSpc>
+                <a:spcPts val="3800"/>
+              </a:lnSpc>
+            </a:pPr>
+            <a:r>
+              <a:rPr lang="en-US" b="1" dirty="0" smtClean="0"/>
+              <a:t>Schedule Generation</a:t>
+            </a:r>
+          </a:p>
+          <a:p>
+            <a:pPr marL="457200" indent="-457200">
+              <a:lnSpc>
+                <a:spcPts val="3800"/>
+              </a:lnSpc>
               <a:buFont typeface="Arial" panose="020B0604020202020204" pitchFamily="34" charset="0"/>
               <a:buChar char="•"/>
             </a:pPr>
@@ -30041,46 +30092,40 @@
           </a:p>
           <a:p>
             <a:pPr marL="457200" indent="-457200">
+              <a:lnSpc>
+                <a:spcPts val="3800"/>
+              </a:lnSpc>
               <a:buFont typeface="Arial" panose="020B0604020202020204" pitchFamily="34" charset="0"/>
               <a:buChar char="•"/>
             </a:pPr>
             <a:endParaRPr lang="en-US" b="1" dirty="0"/>
           </a:p>
           <a:p>
+            <a:pPr>
+              <a:lnSpc>
+                <a:spcPts val="3800"/>
+              </a:lnSpc>
+            </a:pPr>
             <a:r>
               <a:rPr lang="en-US" b="1" dirty="0" smtClean="0"/>
-              <a:t>Schedule Generation</a:t>
+              <a:t>Schedule Export</a:t>
             </a:r>
           </a:p>
           <a:p>
             <a:pPr marL="457200" indent="-457200">
-              <a:buFont typeface="Arial" panose="020B0604020202020204" pitchFamily="34" charset="0"/>
-              <a:buChar char="•"/>
-            </a:pPr>
-            <a:endParaRPr lang="en-US" b="1" dirty="0" smtClean="0"/>
-          </a:p>
-          <a:p>
-            <a:pPr marL="457200" indent="-457200">
+              <a:lnSpc>
+                <a:spcPts val="3800"/>
+              </a:lnSpc>
               <a:buFont typeface="Arial" panose="020B0604020202020204" pitchFamily="34" charset="0"/>
               <a:buChar char="•"/>
             </a:pPr>
             <a:endParaRPr lang="en-US" b="1" dirty="0"/>
           </a:p>
           <a:p>
-            <a:r>
-              <a:rPr lang="en-US" b="1" dirty="0" smtClean="0"/>
-              <a:t>Schedule Export</a:t>
-            </a:r>
-          </a:p>
-          <a:p>
             <a:pPr marL="457200" indent="-457200">
-              <a:buFont typeface="Arial" panose="020B0604020202020204" pitchFamily="34" charset="0"/>
-              <a:buChar char="•"/>
-            </a:pPr>
-            <a:endParaRPr lang="en-US" b="1" dirty="0"/>
-          </a:p>
-          <a:p>
-            <a:pPr marL="457200" indent="-457200">
+              <a:lnSpc>
+                <a:spcPts val="3800"/>
+              </a:lnSpc>
               <a:buFont typeface="Arial" panose="020B0604020202020204" pitchFamily="34" charset="0"/>
               <a:buChar char="•"/>
             </a:pPr>

--- a/Poster/Poster.pptx
+++ b/Poster/Poster.pptx
@@ -281,7 +281,7 @@
             <a:fld id="{0158C5BC-9A70-462C-B28D-9600239EAC64}" type="datetimeFigureOut">
               <a:rPr lang="en-US" smtClean="0"/>
               <a:pPr/>
-              <a:t>4/14/2016</a:t>
+              <a:t>4/15/2016</a:t>
             </a:fld>
             <a:endParaRPr lang="en-US"/>
           </a:p>
@@ -448,7 +448,7 @@
             <a:fld id="{E6CC2317-6751-4CD4-9995-8782DD78E936}" type="datetimeFigureOut">
               <a:rPr lang="en-US" smtClean="0"/>
               <a:pPr/>
-              <a:t>4/14/2016</a:t>
+              <a:t>4/15/2016</a:t>
             </a:fld>
             <a:endParaRPr lang="en-US" dirty="0"/>
           </a:p>
@@ -30000,14 +30000,14 @@
         <p:spPr>
           <a:xfrm>
             <a:off x="11587165" y="6659833"/>
-            <a:ext cx="10048874" cy="7143728"/>
+            <a:ext cx="10048874" cy="9138890"/>
           </a:xfrm>
         </p:spPr>
         <p:txBody>
           <a:bodyPr/>
           <a:lstStyle/>
           <a:p>
-            <a:pPr>
+            <a:pPr algn="just">
               <a:lnSpc>
                 <a:spcPts val="3800"/>
               </a:lnSpc>
@@ -30018,7 +30018,105 @@
             </a:r>
           </a:p>
           <a:p>
-            <a:pPr marL="457200" indent="-457200">
+            <a:pPr algn="just">
+              <a:lnSpc>
+                <a:spcPts val="3800"/>
+              </a:lnSpc>
+            </a:pPr>
+            <a:r>
+              <a:rPr lang="en-US" dirty="0" smtClean="0"/>
+              <a:t>Reading the CSV file using </a:t>
+            </a:r>
+            <a:r>
+              <a:rPr lang="en-US" dirty="0" err="1" smtClean="0"/>
+              <a:t>Matlab</a:t>
+            </a:r>
+            <a:r>
+              <a:rPr lang="en-US" dirty="0" smtClean="0"/>
+              <a:t> built-in function </a:t>
+            </a:r>
+            <a:r>
+              <a:rPr lang="en-US" dirty="0" err="1" smtClean="0"/>
+              <a:t>readtable</a:t>
+            </a:r>
+            <a:r>
+              <a:rPr lang="en-US" dirty="0" smtClean="0"/>
+              <a:t>.</a:t>
+            </a:r>
+            <a:r>
+              <a:rPr lang="en-US" dirty="0"/>
+              <a:t> </a:t>
+            </a:r>
+            <a:r>
+              <a:rPr lang="en-US" dirty="0" smtClean="0"/>
+              <a:t>This will correctly load all the rows and columns from the CSV file to a </a:t>
+            </a:r>
+            <a:r>
+              <a:rPr lang="en-US" dirty="0" err="1"/>
+              <a:t>M</a:t>
+            </a:r>
+            <a:r>
+              <a:rPr lang="en-US" dirty="0" err="1" smtClean="0"/>
+              <a:t>atlab</a:t>
+            </a:r>
+            <a:r>
+              <a:rPr lang="en-US" dirty="0" smtClean="0"/>
+              <a:t> table. Optimize formatting by removing any unwanted spaces and useless cells.</a:t>
+            </a:r>
+          </a:p>
+          <a:p>
+            <a:pPr algn="just">
+              <a:lnSpc>
+                <a:spcPts val="3800"/>
+              </a:lnSpc>
+            </a:pPr>
+            <a:endParaRPr lang="en-US" b="1" dirty="0"/>
+          </a:p>
+          <a:p>
+            <a:pPr algn="just">
+              <a:lnSpc>
+                <a:spcPts val="3800"/>
+              </a:lnSpc>
+            </a:pPr>
+            <a:r>
+              <a:rPr lang="en-US" b="1" dirty="0" smtClean="0"/>
+              <a:t>Course Search</a:t>
+            </a:r>
+          </a:p>
+          <a:p>
+            <a:pPr algn="just">
+              <a:lnSpc>
+                <a:spcPts val="3800"/>
+              </a:lnSpc>
+            </a:pPr>
+            <a:r>
+              <a:rPr lang="en-US" dirty="0" smtClean="0"/>
+              <a:t>Courses</a:t>
+            </a:r>
+          </a:p>
+          <a:p>
+            <a:pPr marL="457200" indent="-457200" algn="just">
+              <a:lnSpc>
+                <a:spcPts val="3800"/>
+              </a:lnSpc>
+              <a:buFont typeface="Arial" panose="020B0604020202020204" pitchFamily="34" charset="0"/>
+              <a:buChar char="•"/>
+            </a:pPr>
+            <a:endParaRPr lang="en-US" b="1" dirty="0"/>
+          </a:p>
+          <a:p>
+            <a:pPr algn="just">
+              <a:lnSpc>
+                <a:spcPts val="3800"/>
+              </a:lnSpc>
+            </a:pPr>
+            <a:r>
+              <a:rPr lang="en-US" b="1" dirty="0" smtClean="0"/>
+              <a:t>Schedule Generation</a:t>
+            </a:r>
+          </a:p>
+          <a:p>
+            <a:pPr marL="457200" indent="-457200" algn="just">
               <a:lnSpc>
                 <a:spcPts val="3800"/>
               </a:lnSpc>
@@ -30028,7 +30126,7 @@
             <a:endParaRPr lang="en-US" b="1" dirty="0" smtClean="0"/>
           </a:p>
           <a:p>
-            <a:pPr marL="457200" indent="-457200">
+            <a:pPr marL="457200" indent="-457200" algn="just">
               <a:lnSpc>
                 <a:spcPts val="3800"/>
               </a:lnSpc>
@@ -30038,29 +30136,18 @@
             <a:endParaRPr lang="en-US" b="1" dirty="0"/>
           </a:p>
           <a:p>
-            <a:pPr>
+            <a:pPr algn="just">
               <a:lnSpc>
                 <a:spcPts val="3800"/>
               </a:lnSpc>
             </a:pPr>
             <a:r>
               <a:rPr lang="en-US" b="1" dirty="0" smtClean="0"/>
-              <a:t>Course Search</a:t>
-            </a:r>
-          </a:p>
-          <a:p>
-            <a:pPr>
-              <a:lnSpc>
-                <a:spcPts val="3800"/>
-              </a:lnSpc>
-            </a:pPr>
-            <a:r>
-              <a:rPr lang="en-US" dirty="0" smtClean="0"/>
-              <a:t>Courses</a:t>
-            </a:r>
-          </a:p>
-          <a:p>
-            <a:pPr marL="457200" indent="-457200">
+              <a:t>Schedule Export</a:t>
+            </a:r>
+          </a:p>
+          <a:p>
+            <a:pPr marL="457200" indent="-457200" algn="just">
               <a:lnSpc>
                 <a:spcPts val="3800"/>
               </a:lnSpc>
@@ -30070,28 +30157,7 @@
             <a:endParaRPr lang="en-US" b="1" dirty="0"/>
           </a:p>
           <a:p>
-            <a:pPr>
-              <a:lnSpc>
-                <a:spcPts val="3800"/>
-              </a:lnSpc>
-            </a:pPr>
-            <a:r>
-              <a:rPr lang="en-US" b="1" dirty="0" smtClean="0"/>
-              <a:t>Schedule Generation</a:t>
-            </a:r>
-          </a:p>
-          <a:p>
-            <a:pPr marL="457200" indent="-457200">
-              <a:lnSpc>
-                <a:spcPts val="3800"/>
-              </a:lnSpc>
-              <a:buFont typeface="Arial" panose="020B0604020202020204" pitchFamily="34" charset="0"/>
-              <a:buChar char="•"/>
-            </a:pPr>
-            <a:endParaRPr lang="en-US" b="1" dirty="0" smtClean="0"/>
-          </a:p>
-          <a:p>
-            <a:pPr marL="457200" indent="-457200">
+            <a:pPr marL="457200" indent="-457200" algn="just">
               <a:lnSpc>
                 <a:spcPts val="3800"/>
               </a:lnSpc>
@@ -30100,19 +30166,397 @@
             </a:pPr>
             <a:endParaRPr lang="en-US" b="1" dirty="0"/>
           </a:p>
-          <a:p>
-            <a:pPr>
+        </p:txBody>
+      </p:sp>
+      <p:sp>
+        <p:nvSpPr>
+          <p:cNvPr id="227" name="Text Placeholder 226"/>
+          <p:cNvSpPr>
+            <a:spLocks noGrp="1"/>
+          </p:cNvSpPr>
+          <p:nvPr>
+            <p:ph type="body" sz="quarter" idx="22"/>
+          </p:nvPr>
+        </p:nvSpPr>
+        <p:spPr/>
+        <p:txBody>
+          <a:bodyPr/>
+          <a:lstStyle/>
+          <a:p>
+            <a:r>
+              <a:rPr lang="en-US" dirty="0" smtClean="0"/>
+              <a:t>Methods</a:t>
+            </a:r>
+            <a:endParaRPr lang="en-US" dirty="0"/>
+          </a:p>
+        </p:txBody>
+      </p:sp>
+      <p:sp>
+        <p:nvSpPr>
+          <p:cNvPr id="228" name="Text Placeholder 227"/>
+          <p:cNvSpPr>
+            <a:spLocks noGrp="1"/>
+          </p:cNvSpPr>
+          <p:nvPr>
+            <p:ph type="body" sz="quarter" idx="24"/>
+          </p:nvPr>
+        </p:nvSpPr>
+        <p:spPr/>
+        <p:txBody>
+          <a:bodyPr/>
+          <a:lstStyle/>
+          <a:p>
+            <a:r>
+              <a:rPr lang="en-US" dirty="0" smtClean="0"/>
+              <a:t>Results</a:t>
+            </a:r>
+            <a:endParaRPr lang="en-US" dirty="0"/>
+          </a:p>
+        </p:txBody>
+      </p:sp>
+      <p:sp>
+        <p:nvSpPr>
+          <p:cNvPr id="229" name="Text Placeholder 228"/>
+          <p:cNvSpPr>
+            <a:spLocks noGrp="1"/>
+          </p:cNvSpPr>
+          <p:nvPr>
+            <p:ph type="body" sz="quarter" idx="25"/>
+          </p:nvPr>
+        </p:nvSpPr>
+        <p:spPr/>
+        <p:txBody>
+          <a:bodyPr/>
+          <a:lstStyle/>
+          <a:p>
+            <a:r>
+              <a:rPr lang="en-US" dirty="0" smtClean="0"/>
+              <a:t>Conclusion</a:t>
+            </a:r>
+            <a:endParaRPr lang="en-US" dirty="0"/>
+          </a:p>
+        </p:txBody>
+      </p:sp>
+      <p:sp>
+        <p:nvSpPr>
+          <p:cNvPr id="230" name="Text Placeholder 229"/>
+          <p:cNvSpPr>
+            <a:spLocks noGrp="1"/>
+          </p:cNvSpPr>
+          <p:nvPr>
+            <p:ph type="body" sz="quarter" idx="27"/>
+          </p:nvPr>
+        </p:nvSpPr>
+        <p:spPr/>
+        <p:txBody>
+          <a:bodyPr/>
+          <a:lstStyle/>
+          <a:p>
+            <a:r>
+              <a:rPr lang="en-US" dirty="0" smtClean="0"/>
+              <a:t>Future Improvements and Implementations</a:t>
+            </a:r>
+            <a:endParaRPr lang="en-US" dirty="0"/>
+          </a:p>
+        </p:txBody>
+      </p:sp>
+      <p:sp>
+        <p:nvSpPr>
+          <p:cNvPr id="231" name="Text Placeholder 230"/>
+          <p:cNvSpPr>
+            <a:spLocks noGrp="1"/>
+          </p:cNvSpPr>
+          <p:nvPr>
+            <p:ph type="body" sz="quarter" idx="29"/>
+          </p:nvPr>
+        </p:nvSpPr>
+        <p:spPr/>
+        <p:txBody>
+          <a:bodyPr/>
+          <a:lstStyle/>
+          <a:p>
+            <a:endParaRPr lang="en-US"/>
+          </a:p>
+        </p:txBody>
+      </p:sp>
+      <p:sp>
+        <p:nvSpPr>
+          <p:cNvPr id="232" name="Text Placeholder 231"/>
+          <p:cNvSpPr>
+            <a:spLocks noGrp="1"/>
+          </p:cNvSpPr>
+          <p:nvPr>
+            <p:ph type="body" sz="quarter" idx="30"/>
+          </p:nvPr>
+        </p:nvSpPr>
+        <p:spPr/>
+        <p:txBody>
+          <a:bodyPr>
+            <a:normAutofit/>
+          </a:bodyPr>
+          <a:lstStyle/>
+          <a:p>
+            <a:endParaRPr lang="en-US"/>
+          </a:p>
+        </p:txBody>
+      </p:sp>
+      <p:sp>
+        <p:nvSpPr>
+          <p:cNvPr id="233" name="Text Placeholder 232"/>
+          <p:cNvSpPr>
+            <a:spLocks noGrp="1"/>
+          </p:cNvSpPr>
+          <p:nvPr>
+            <p:ph type="body" sz="quarter" idx="150"/>
+          </p:nvPr>
+        </p:nvSpPr>
+        <p:spPr/>
+        <p:txBody>
+          <a:bodyPr>
+            <a:normAutofit/>
+          </a:bodyPr>
+          <a:lstStyle/>
+          <a:p>
+            <a:r>
+              <a:rPr lang="en-US" dirty="0"/>
+              <a:t>Department of Electrical and Computer </a:t>
+            </a:r>
+            <a:r>
+              <a:rPr lang="en-US" dirty="0" smtClean="0"/>
+              <a:t>Engineering</a:t>
+            </a:r>
+            <a:endParaRPr lang="en-US" dirty="0"/>
+          </a:p>
+        </p:txBody>
+      </p:sp>
+      <p:sp>
+        <p:nvSpPr>
+          <p:cNvPr id="234" name="Text Placeholder 233"/>
+          <p:cNvSpPr>
+            <a:spLocks noGrp="1"/>
+          </p:cNvSpPr>
+          <p:nvPr>
+            <p:ph type="body" sz="quarter" idx="151"/>
+          </p:nvPr>
+        </p:nvSpPr>
+        <p:spPr/>
+        <p:txBody>
+          <a:bodyPr>
+            <a:normAutofit fontScale="92500" lnSpcReduction="10000"/>
+          </a:bodyPr>
+          <a:lstStyle/>
+          <a:p>
+            <a:r>
+              <a:rPr lang="en-US" dirty="0" smtClean="0"/>
+              <a:t>Murilo Silva, Philip </a:t>
+            </a:r>
+            <a:r>
+              <a:rPr lang="en-US" dirty="0"/>
+              <a:t>H. Viall</a:t>
+            </a:r>
+          </a:p>
+        </p:txBody>
+      </p:sp>
+      <p:sp>
+        <p:nvSpPr>
+          <p:cNvPr id="235" name="Text Placeholder 234"/>
+          <p:cNvSpPr>
+            <a:spLocks noGrp="1"/>
+          </p:cNvSpPr>
+          <p:nvPr>
+            <p:ph type="body" sz="quarter" idx="153"/>
+          </p:nvPr>
+        </p:nvSpPr>
+        <p:spPr/>
+        <p:txBody>
+          <a:bodyPr>
+            <a:normAutofit fontScale="92500" lnSpcReduction="10000"/>
+          </a:bodyPr>
+          <a:lstStyle/>
+          <a:p>
+            <a:r>
+              <a:rPr lang="en-US" dirty="0" smtClean="0"/>
+              <a:t>Class Schedule Generator</a:t>
+            </a:r>
+            <a:endParaRPr lang="en-US" dirty="0"/>
+          </a:p>
+        </p:txBody>
+      </p:sp>
+      <p:sp>
+        <p:nvSpPr>
+          <p:cNvPr id="236" name="Text Placeholder 235"/>
+          <p:cNvSpPr>
+            <a:spLocks noGrp="1"/>
+          </p:cNvSpPr>
+          <p:nvPr>
+            <p:ph type="body" sz="quarter" idx="154"/>
+          </p:nvPr>
+        </p:nvSpPr>
+        <p:spPr/>
+        <p:txBody>
+          <a:bodyPr/>
+          <a:lstStyle/>
+          <a:p>
+            <a:endParaRPr lang="en-US"/>
+          </a:p>
+        </p:txBody>
+      </p:sp>
+      <p:sp>
+        <p:nvSpPr>
+          <p:cNvPr id="237" name="Text Placeholder 236"/>
+          <p:cNvSpPr>
+            <a:spLocks noGrp="1"/>
+          </p:cNvSpPr>
+          <p:nvPr>
+            <p:ph type="body" sz="quarter" idx="155"/>
+          </p:nvPr>
+        </p:nvSpPr>
+        <p:spPr/>
+        <p:txBody>
+          <a:bodyPr/>
+          <a:lstStyle/>
+          <a:p>
+            <a:endParaRPr lang="en-US"/>
+          </a:p>
+        </p:txBody>
+      </p:sp>
+      <p:sp>
+        <p:nvSpPr>
+          <p:cNvPr id="238" name="Text Placeholder 237"/>
+          <p:cNvSpPr>
+            <a:spLocks noGrp="1"/>
+          </p:cNvSpPr>
+          <p:nvPr>
+            <p:ph type="body" sz="quarter" idx="156"/>
+          </p:nvPr>
+        </p:nvSpPr>
+        <p:spPr>
+          <a:xfrm>
+            <a:off x="22256750" y="6724257"/>
+            <a:ext cx="10052050" cy="11561091"/>
+          </a:xfrm>
+        </p:spPr>
+        <p:txBody>
+          <a:bodyPr/>
+          <a:lstStyle/>
+          <a:p>
+            <a:pPr algn="just">
               <a:lnSpc>
                 <a:spcPts val="3800"/>
               </a:lnSpc>
             </a:pPr>
             <a:r>
+              <a:rPr lang="en-US" b="1" dirty="0"/>
+              <a:t>Database </a:t>
+            </a:r>
+            <a:r>
               <a:rPr lang="en-US" b="1" dirty="0" smtClean="0"/>
-              <a:t>Schedule Export</a:t>
-            </a:r>
-          </a:p>
-          <a:p>
-            <a:pPr marL="457200" indent="-457200">
+              <a:t>Read</a:t>
+            </a:r>
+          </a:p>
+          <a:p>
+            <a:pPr algn="just">
+              <a:lnSpc>
+                <a:spcPts val="3800"/>
+              </a:lnSpc>
+            </a:pPr>
+            <a:r>
+              <a:rPr lang="en-US" dirty="0" smtClean="0"/>
+              <a:t>After running </a:t>
+            </a:r>
+            <a:r>
+              <a:rPr lang="en-US" dirty="0" err="1" smtClean="0"/>
+              <a:t>DatabaseRead.m</a:t>
+            </a:r>
+            <a:endParaRPr lang="en-US" dirty="0"/>
+          </a:p>
+          <a:p>
+            <a:pPr algn="just">
+              <a:lnSpc>
+                <a:spcPts val="3800"/>
+              </a:lnSpc>
+            </a:pPr>
+            <a:r>
+              <a:rPr lang="en-US" dirty="0" smtClean="0"/>
+              <a:t>A table T will be created with the following elements:</a:t>
+            </a:r>
+          </a:p>
+          <a:p>
+            <a:pPr algn="just">
+              <a:lnSpc>
+                <a:spcPts val="3800"/>
+              </a:lnSpc>
+            </a:pPr>
+            <a:endParaRPr lang="en-US" dirty="0"/>
+          </a:p>
+          <a:p>
+            <a:pPr algn="just">
+              <a:lnSpc>
+                <a:spcPts val="3800"/>
+              </a:lnSpc>
+            </a:pPr>
+            <a:endParaRPr lang="en-US" dirty="0" smtClean="0"/>
+          </a:p>
+          <a:p>
+            <a:pPr algn="just">
+              <a:lnSpc>
+                <a:spcPts val="3800"/>
+              </a:lnSpc>
+            </a:pPr>
+            <a:endParaRPr lang="en-US" dirty="0"/>
+          </a:p>
+          <a:p>
+            <a:pPr algn="just">
+              <a:lnSpc>
+                <a:spcPts val="3800"/>
+              </a:lnSpc>
+            </a:pPr>
+            <a:endParaRPr lang="en-US" dirty="0" smtClean="0"/>
+          </a:p>
+          <a:p>
+            <a:pPr algn="just">
+              <a:lnSpc>
+                <a:spcPts val="3800"/>
+              </a:lnSpc>
+            </a:pPr>
+            <a:r>
+              <a:rPr lang="en-US" dirty="0" smtClean="0"/>
+              <a:t>Where the first row is the header and each column is a different property of each class.</a:t>
+            </a:r>
+            <a:endParaRPr lang="en-US" b="1" dirty="0"/>
+          </a:p>
+          <a:p>
+            <a:pPr algn="just">
+              <a:lnSpc>
+                <a:spcPts val="3800"/>
+              </a:lnSpc>
+            </a:pPr>
+            <a:endParaRPr lang="en-US" b="1" dirty="0"/>
+          </a:p>
+          <a:p>
+            <a:pPr algn="just">
+              <a:lnSpc>
+                <a:spcPts val="3800"/>
+              </a:lnSpc>
+            </a:pPr>
+            <a:r>
+              <a:rPr lang="en-US" b="1" dirty="0"/>
+              <a:t>Course Search</a:t>
+            </a:r>
+          </a:p>
+          <a:p>
+            <a:pPr algn="just">
+              <a:lnSpc>
+                <a:spcPts val="3800"/>
+              </a:lnSpc>
+            </a:pPr>
+            <a:r>
+              <a:rPr lang="en-US" dirty="0"/>
+              <a:t>Courses</a:t>
+            </a:r>
+          </a:p>
+          <a:p>
+            <a:pPr marL="457200" indent="-457200" algn="just">
               <a:lnSpc>
                 <a:spcPts val="3800"/>
               </a:lnSpc>
@@ -30122,7 +30566,18 @@
             <a:endParaRPr lang="en-US" b="1" dirty="0"/>
           </a:p>
           <a:p>
-            <a:pPr marL="457200" indent="-457200">
+            <a:pPr algn="just">
+              <a:lnSpc>
+                <a:spcPts val="3800"/>
+              </a:lnSpc>
+            </a:pPr>
+            <a:r>
+              <a:rPr lang="en-US" b="1" dirty="0"/>
+              <a:t>Schedule Generation</a:t>
+            </a:r>
+          </a:p>
+          <a:p>
+            <a:pPr marL="457200" indent="-457200" algn="just">
               <a:lnSpc>
                 <a:spcPts val="3800"/>
               </a:lnSpc>
@@ -30131,299 +30586,16 @@
             </a:pPr>
             <a:endParaRPr lang="en-US" b="1" dirty="0"/>
           </a:p>
-        </p:txBody>
-      </p:sp>
-      <p:sp>
-        <p:nvSpPr>
-          <p:cNvPr id="227" name="Text Placeholder 226"/>
-          <p:cNvSpPr>
-            <a:spLocks noGrp="1"/>
-          </p:cNvSpPr>
-          <p:nvPr>
-            <p:ph type="body" sz="quarter" idx="22"/>
-          </p:nvPr>
-        </p:nvSpPr>
-        <p:spPr/>
-        <p:txBody>
-          <a:bodyPr/>
-          <a:lstStyle/>
-          <a:p>
-            <a:r>
-              <a:rPr lang="en-US" dirty="0" smtClean="0"/>
-              <a:t>Methods</a:t>
-            </a:r>
-            <a:endParaRPr lang="en-US" dirty="0"/>
-          </a:p>
-        </p:txBody>
-      </p:sp>
-      <p:sp>
-        <p:nvSpPr>
-          <p:cNvPr id="228" name="Text Placeholder 227"/>
-          <p:cNvSpPr>
-            <a:spLocks noGrp="1"/>
-          </p:cNvSpPr>
-          <p:nvPr>
-            <p:ph type="body" sz="quarter" idx="24"/>
-          </p:nvPr>
-        </p:nvSpPr>
-        <p:spPr/>
-        <p:txBody>
-          <a:bodyPr/>
-          <a:lstStyle/>
-          <a:p>
-            <a:endParaRPr lang="en-US"/>
-          </a:p>
-        </p:txBody>
-      </p:sp>
-      <p:sp>
-        <p:nvSpPr>
-          <p:cNvPr id="229" name="Text Placeholder 228"/>
-          <p:cNvSpPr>
-            <a:spLocks noGrp="1"/>
-          </p:cNvSpPr>
-          <p:nvPr>
-            <p:ph type="body" sz="quarter" idx="25"/>
-          </p:nvPr>
-        </p:nvSpPr>
-        <p:spPr/>
-        <p:txBody>
-          <a:bodyPr/>
-          <a:lstStyle/>
-          <a:p>
-            <a:r>
-              <a:rPr lang="en-US" dirty="0" smtClean="0"/>
-              <a:t>Conclusion</a:t>
-            </a:r>
-            <a:endParaRPr lang="en-US" dirty="0"/>
-          </a:p>
-        </p:txBody>
-      </p:sp>
-      <p:sp>
-        <p:nvSpPr>
-          <p:cNvPr id="230" name="Text Placeholder 229"/>
-          <p:cNvSpPr>
-            <a:spLocks noGrp="1"/>
-          </p:cNvSpPr>
-          <p:nvPr>
-            <p:ph type="body" sz="quarter" idx="27"/>
-          </p:nvPr>
-        </p:nvSpPr>
-        <p:spPr/>
-        <p:txBody>
-          <a:bodyPr/>
-          <a:lstStyle/>
-          <a:p>
-            <a:r>
-              <a:rPr lang="en-US" dirty="0" smtClean="0"/>
-              <a:t>Future Improvements and Implementations</a:t>
-            </a:r>
-            <a:endParaRPr lang="en-US" dirty="0"/>
-          </a:p>
-        </p:txBody>
-      </p:sp>
-      <p:sp>
-        <p:nvSpPr>
-          <p:cNvPr id="231" name="Text Placeholder 230"/>
-          <p:cNvSpPr>
-            <a:spLocks noGrp="1"/>
-          </p:cNvSpPr>
-          <p:nvPr>
-            <p:ph type="body" sz="quarter" idx="29"/>
-          </p:nvPr>
-        </p:nvSpPr>
-        <p:spPr/>
-        <p:txBody>
-          <a:bodyPr/>
-          <a:lstStyle/>
-          <a:p>
-            <a:endParaRPr lang="en-US"/>
-          </a:p>
-        </p:txBody>
-      </p:sp>
-      <p:sp>
-        <p:nvSpPr>
-          <p:cNvPr id="232" name="Text Placeholder 231"/>
-          <p:cNvSpPr>
-            <a:spLocks noGrp="1"/>
-          </p:cNvSpPr>
-          <p:nvPr>
-            <p:ph type="body" sz="quarter" idx="30"/>
-          </p:nvPr>
-        </p:nvSpPr>
-        <p:spPr/>
-        <p:txBody>
-          <a:bodyPr>
-            <a:normAutofit/>
-          </a:bodyPr>
-          <a:lstStyle/>
-          <a:p>
-            <a:endParaRPr lang="en-US"/>
-          </a:p>
-        </p:txBody>
-      </p:sp>
-      <p:sp>
-        <p:nvSpPr>
-          <p:cNvPr id="233" name="Text Placeholder 232"/>
-          <p:cNvSpPr>
-            <a:spLocks noGrp="1"/>
-          </p:cNvSpPr>
-          <p:nvPr>
-            <p:ph type="body" sz="quarter" idx="150"/>
-          </p:nvPr>
-        </p:nvSpPr>
-        <p:spPr/>
-        <p:txBody>
-          <a:bodyPr>
-            <a:normAutofit/>
-          </a:bodyPr>
-          <a:lstStyle/>
-          <a:p>
-            <a:r>
-              <a:rPr lang="en-US" dirty="0"/>
-              <a:t>Department of Electrical and Computer </a:t>
-            </a:r>
-            <a:r>
-              <a:rPr lang="en-US" dirty="0" smtClean="0"/>
-              <a:t>Engineering</a:t>
-            </a:r>
-            <a:endParaRPr lang="en-US" dirty="0"/>
-          </a:p>
-        </p:txBody>
-      </p:sp>
-      <p:sp>
-        <p:nvSpPr>
-          <p:cNvPr id="234" name="Text Placeholder 233"/>
-          <p:cNvSpPr>
-            <a:spLocks noGrp="1"/>
-          </p:cNvSpPr>
-          <p:nvPr>
-            <p:ph type="body" sz="quarter" idx="151"/>
-          </p:nvPr>
-        </p:nvSpPr>
-        <p:spPr/>
-        <p:txBody>
-          <a:bodyPr>
-            <a:normAutofit fontScale="92500" lnSpcReduction="10000"/>
-          </a:bodyPr>
-          <a:lstStyle/>
-          <a:p>
-            <a:r>
-              <a:rPr lang="en-US" dirty="0" smtClean="0"/>
-              <a:t>Murilo Silva</a:t>
-            </a:r>
-            <a:r>
-              <a:rPr lang="en-US" dirty="0" smtClean="0"/>
-              <a:t>, Philip </a:t>
-            </a:r>
-            <a:r>
-              <a:rPr lang="en-US" dirty="0"/>
-              <a:t>H. Viall</a:t>
-            </a:r>
-            <a:endParaRPr lang="en-US" dirty="0"/>
-          </a:p>
-        </p:txBody>
-      </p:sp>
-      <p:sp>
-        <p:nvSpPr>
-          <p:cNvPr id="235" name="Text Placeholder 234"/>
-          <p:cNvSpPr>
-            <a:spLocks noGrp="1"/>
-          </p:cNvSpPr>
-          <p:nvPr>
-            <p:ph type="body" sz="quarter" idx="153"/>
-          </p:nvPr>
-        </p:nvSpPr>
-        <p:spPr/>
-        <p:txBody>
-          <a:bodyPr>
-            <a:normAutofit fontScale="92500" lnSpcReduction="10000"/>
-          </a:bodyPr>
-          <a:lstStyle/>
-          <a:p>
-            <a:r>
-              <a:rPr lang="en-US" dirty="0" smtClean="0"/>
-              <a:t>Class Schedule Generator</a:t>
-            </a:r>
-            <a:endParaRPr lang="en-US" dirty="0"/>
-          </a:p>
-        </p:txBody>
-      </p:sp>
-      <p:sp>
-        <p:nvSpPr>
-          <p:cNvPr id="236" name="Text Placeholder 235"/>
-          <p:cNvSpPr>
-            <a:spLocks noGrp="1"/>
-          </p:cNvSpPr>
-          <p:nvPr>
-            <p:ph type="body" sz="quarter" idx="154"/>
-          </p:nvPr>
-        </p:nvSpPr>
-        <p:spPr/>
-        <p:txBody>
-          <a:bodyPr/>
-          <a:lstStyle/>
-          <a:p>
-            <a:endParaRPr lang="en-US"/>
-          </a:p>
-        </p:txBody>
-      </p:sp>
-      <p:sp>
-        <p:nvSpPr>
-          <p:cNvPr id="237" name="Text Placeholder 236"/>
-          <p:cNvSpPr>
-            <a:spLocks noGrp="1"/>
-          </p:cNvSpPr>
-          <p:nvPr>
-            <p:ph type="body" sz="quarter" idx="155"/>
-          </p:nvPr>
-        </p:nvSpPr>
-        <p:spPr/>
-        <p:txBody>
-          <a:bodyPr/>
-          <a:lstStyle/>
-          <a:p>
-            <a:endParaRPr lang="en-US"/>
-          </a:p>
-        </p:txBody>
-      </p:sp>
-      <p:sp>
-        <p:nvSpPr>
-          <p:cNvPr id="238" name="Text Placeholder 237"/>
-          <p:cNvSpPr>
-            <a:spLocks noGrp="1"/>
-          </p:cNvSpPr>
-          <p:nvPr>
-            <p:ph type="body" sz="quarter" idx="156"/>
-          </p:nvPr>
-        </p:nvSpPr>
-        <p:spPr/>
-        <p:txBody>
-          <a:bodyPr/>
-          <a:lstStyle/>
-          <a:p>
-            <a:endParaRPr lang="en-US"/>
-          </a:p>
-        </p:txBody>
-      </p:sp>
-      <p:sp>
-        <p:nvSpPr>
-          <p:cNvPr id="239" name="Text Placeholder 238"/>
-          <p:cNvSpPr>
-            <a:spLocks noGrp="1"/>
-          </p:cNvSpPr>
-          <p:nvPr>
-            <p:ph type="body" sz="quarter" idx="157"/>
-          </p:nvPr>
-        </p:nvSpPr>
-        <p:spPr>
-          <a:xfrm>
-            <a:off x="920751" y="15308106"/>
-            <a:ext cx="10052050" cy="15020756"/>
-          </a:xfrm>
-        </p:spPr>
-        <p:txBody>
-          <a:bodyPr/>
-          <a:lstStyle/>
+          <a:p>
+            <a:pPr marL="457200" indent="-457200" algn="just">
+              <a:lnSpc>
+                <a:spcPts val="3800"/>
+              </a:lnSpc>
+              <a:buFont typeface="Arial" panose="020B0604020202020204" pitchFamily="34" charset="0"/>
+              <a:buChar char="•"/>
+            </a:pPr>
+            <a:endParaRPr lang="en-US" b="1" dirty="0"/>
+          </a:p>
           <a:p>
             <a:pPr algn="just">
               <a:lnSpc>
@@ -30431,16 +30603,63 @@
               </a:lnSpc>
             </a:pPr>
             <a:r>
-              <a:rPr lang="en-US" dirty="0" smtClean="0"/>
-              <a:t>This program will </a:t>
-            </a:r>
-            <a:r>
-              <a:rPr lang="en-US" dirty="0" smtClean="0"/>
-              <a:t>require the</a:t>
-            </a:r>
-            <a:r>
-              <a:rPr lang="en-US" dirty="0" smtClean="0"/>
-              <a:t> user to enter up to eight courses, and as an output it is going to display all the possible schedule combinations without time conflicts. Each component has its own objective.</a:t>
+              <a:rPr lang="en-US" b="1" dirty="0"/>
+              <a:t>Schedule Export</a:t>
+            </a:r>
+          </a:p>
+          <a:p>
+            <a:pPr marL="457200" indent="-457200" algn="just">
+              <a:lnSpc>
+                <a:spcPts val="3800"/>
+              </a:lnSpc>
+              <a:buFont typeface="Arial" panose="020B0604020202020204" pitchFamily="34" charset="0"/>
+              <a:buChar char="•"/>
+            </a:pPr>
+            <a:endParaRPr lang="en-US" b="1" dirty="0"/>
+          </a:p>
+          <a:p>
+            <a:pPr marL="457200" indent="-457200" algn="just">
+              <a:lnSpc>
+                <a:spcPts val="3800"/>
+              </a:lnSpc>
+              <a:buFont typeface="Arial" panose="020B0604020202020204" pitchFamily="34" charset="0"/>
+              <a:buChar char="•"/>
+            </a:pPr>
+            <a:endParaRPr lang="en-US" b="1" dirty="0"/>
+          </a:p>
+          <a:p>
+            <a:endParaRPr lang="en-US" dirty="0"/>
+          </a:p>
+        </p:txBody>
+      </p:sp>
+      <p:sp>
+        <p:nvSpPr>
+          <p:cNvPr id="239" name="Text Placeholder 238"/>
+          <p:cNvSpPr>
+            <a:spLocks noGrp="1"/>
+          </p:cNvSpPr>
+          <p:nvPr>
+            <p:ph type="body" sz="quarter" idx="157"/>
+          </p:nvPr>
+        </p:nvSpPr>
+        <p:spPr>
+          <a:xfrm>
+            <a:off x="920751" y="15308106"/>
+            <a:ext cx="10052050" cy="15020756"/>
+          </a:xfrm>
+        </p:spPr>
+        <p:txBody>
+          <a:bodyPr/>
+          <a:lstStyle/>
+          <a:p>
+            <a:pPr algn="just">
+              <a:lnSpc>
+                <a:spcPts val="3800"/>
+              </a:lnSpc>
+            </a:pPr>
+            <a:r>
+              <a:rPr lang="en-US" dirty="0" smtClean="0"/>
+              <a:t>This program will require the user to enter up to eight courses, and as an output it is going to display all the possible schedule combinations without time conflicts. Each component has its own objective.</a:t>
             </a:r>
           </a:p>
           <a:p>
@@ -30553,7 +30772,6 @@
               <a:rPr lang="en-US" dirty="0" smtClean="0"/>
               <a:t>Creating the schedule matrix will consist of: calculating the number of possible course combinations, create a matrix for each combination, eliminate matrices with time conflicts.</a:t>
             </a:r>
-            <a:endParaRPr lang="en-US" dirty="0" smtClean="0"/>
           </a:p>
           <a:p>
             <a:pPr algn="just">
@@ -30584,16 +30802,3390 @@
             </a:pPr>
             <a:r>
               <a:rPr lang="en-US" dirty="0" smtClean="0"/>
-              <a:t>The remaining matrices from the previous component will be exported to excel, where they will be </a:t>
-            </a:r>
-            <a:r>
-              <a:rPr lang="en-US" dirty="0" smtClean="0"/>
-              <a:t>displayed in a weekly calendar view, thus helping the user define which schedule is better for him or her.</a:t>
-            </a:r>
-            <a:endParaRPr lang="en-US" dirty="0"/>
-          </a:p>
-        </p:txBody>
-      </p:sp>
+              <a:t>The remaining matrices from the previous component will be exported to excel, where they will be displayed in a weekly calendar view, thus helping the user define which schedule is better for him or her.</a:t>
+            </a:r>
+            <a:endParaRPr lang="en-US" dirty="0"/>
+          </a:p>
+        </p:txBody>
+      </p:sp>
+      <p:graphicFrame>
+        <p:nvGraphicFramePr>
+          <p:cNvPr id="3" name="Table 2"/>
+          <p:cNvGraphicFramePr>
+            <a:graphicFrameLocks noGrp="1"/>
+          </p:cNvGraphicFramePr>
+          <p:nvPr>
+            <p:extLst>
+              <p:ext uri="{D42A27DB-BD31-4B8C-83A1-F6EECF244321}">
+                <p14:modId xmlns:p14="http://schemas.microsoft.com/office/powerpoint/2010/main" val="3673489998"/>
+              </p:ext>
+            </p:extLst>
+          </p:nvPr>
+        </p:nvGraphicFramePr>
+        <p:xfrm>
+          <a:off x="22488425" y="8621815"/>
+          <a:ext cx="9582349" cy="2244271"/>
+        </p:xfrm>
+        <a:graphic>
+          <a:graphicData uri="http://schemas.openxmlformats.org/drawingml/2006/table">
+            <a:tbl>
+              <a:tblPr>
+                <a:tableStyleId>{2D5ABB26-0587-4C30-8999-92F81FD0307C}</a:tableStyleId>
+              </a:tblPr>
+              <a:tblGrid>
+                <a:gridCol w="1108909"/>
+                <a:gridCol w="1394460"/>
+                <a:gridCol w="815340"/>
+                <a:gridCol w="952500"/>
+                <a:gridCol w="845820"/>
+                <a:gridCol w="518160"/>
+                <a:gridCol w="1341120"/>
+                <a:gridCol w="533400"/>
+                <a:gridCol w="426720"/>
+                <a:gridCol w="495300"/>
+                <a:gridCol w="556260"/>
+                <a:gridCol w="594360"/>
+              </a:tblGrid>
+              <a:tr h="190500">
+                <a:tc>
+                  <a:txBody>
+                    <a:bodyPr/>
+                    <a:lstStyle/>
+                    <a:p>
+                      <a:pPr algn="l" fontAlgn="b"/>
+                      <a:r>
+                        <a:rPr lang="en-US" sz="2000" b="1" u="none" strike="noStrike" dirty="0" smtClean="0">
+                          <a:effectLst/>
+                          <a:latin typeface="Calibri" panose="020F0502020204030204" pitchFamily="34" charset="0"/>
+                        </a:rPr>
+                        <a:t>Academic Group</a:t>
+                      </a:r>
+                      <a:endParaRPr lang="en-US" sz="2000" b="1" i="0" u="none" strike="noStrike" dirty="0">
+                        <a:solidFill>
+                          <a:srgbClr val="000000"/>
+                        </a:solidFill>
+                        <a:effectLst/>
+                        <a:latin typeface="Calibri" panose="020F0502020204030204" pitchFamily="34" charset="0"/>
+                      </a:endParaRPr>
+                    </a:p>
+                  </a:txBody>
+                  <a:tcPr marL="9525" marR="9525" marT="9525" marB="0" anchor="ctr">
+                    <a:lnL w="12700" cap="flat" cmpd="sng" algn="ctr">
+                      <a:solidFill>
+                        <a:schemeClr val="tx1"/>
+                      </a:solidFill>
+                      <a:prstDash val="solid"/>
+                      <a:round/>
+                      <a:headEnd type="none" w="med" len="med"/>
+                      <a:tailEnd type="none" w="med" len="med"/>
+                    </a:lnL>
+                    <a:lnR w="12700" cap="flat" cmpd="sng" algn="ctr">
+                      <a:solidFill>
+                        <a:schemeClr val="tx1"/>
+                      </a:solidFill>
+                      <a:prstDash val="solid"/>
+                      <a:round/>
+                      <a:headEnd type="none" w="med" len="med"/>
+                      <a:tailEnd type="none" w="med" len="med"/>
+                    </a:lnR>
+                    <a:lnT w="12700" cap="flat" cmpd="sng" algn="ctr">
+                      <a:solidFill>
+                        <a:schemeClr val="tx1"/>
+                      </a:solidFill>
+                      <a:prstDash val="solid"/>
+                      <a:round/>
+                      <a:headEnd type="none" w="med" len="med"/>
+                      <a:tailEnd type="none" w="med" len="med"/>
+                    </a:lnT>
+                    <a:lnB w="12700" cap="flat" cmpd="sng" algn="ctr">
+                      <a:solidFill>
+                        <a:schemeClr val="tx1"/>
+                      </a:solidFill>
+                      <a:prstDash val="solid"/>
+                      <a:round/>
+                      <a:headEnd type="none" w="med" len="med"/>
+                      <a:tailEnd type="none" w="med" len="med"/>
+                    </a:lnB>
+                    <a:lnTlToBr w="12700" cmpd="sng">
+                      <a:noFill/>
+                      <a:prstDash val="solid"/>
+                    </a:lnTlToBr>
+                    <a:lnBlToTr w="12700" cmpd="sng">
+                      <a:noFill/>
+                      <a:prstDash val="solid"/>
+                    </a:lnBlToTr>
+                    <a:solidFill>
+                      <a:schemeClr val="bg1"/>
+                    </a:solidFill>
+                  </a:tcPr>
+                </a:tc>
+                <a:tc>
+                  <a:txBody>
+                    <a:bodyPr/>
+                    <a:lstStyle/>
+                    <a:p>
+                      <a:pPr algn="l" fontAlgn="b"/>
+                      <a:r>
+                        <a:rPr lang="en-US" sz="2000" b="1" u="none" strike="noStrike" dirty="0" smtClean="0">
+                          <a:effectLst/>
+                          <a:latin typeface="Calibri" panose="020F0502020204030204" pitchFamily="34" charset="0"/>
+                        </a:rPr>
+                        <a:t>Academic Organization</a:t>
+                      </a:r>
+                      <a:endParaRPr lang="en-US" sz="2000" b="1" i="0" u="none" strike="noStrike" dirty="0">
+                        <a:solidFill>
+                          <a:srgbClr val="000000"/>
+                        </a:solidFill>
+                        <a:effectLst/>
+                        <a:latin typeface="Calibri" panose="020F0502020204030204" pitchFamily="34" charset="0"/>
+                      </a:endParaRPr>
+                    </a:p>
+                  </a:txBody>
+                  <a:tcPr marL="9525" marR="9525" marT="9525" marB="0" anchor="ctr">
+                    <a:lnL w="12700" cap="flat" cmpd="sng" algn="ctr">
+                      <a:solidFill>
+                        <a:schemeClr val="tx1"/>
+                      </a:solidFill>
+                      <a:prstDash val="solid"/>
+                      <a:round/>
+                      <a:headEnd type="none" w="med" len="med"/>
+                      <a:tailEnd type="none" w="med" len="med"/>
+                    </a:lnL>
+                    <a:lnR w="12700" cap="flat" cmpd="sng" algn="ctr">
+                      <a:solidFill>
+                        <a:schemeClr val="tx1"/>
+                      </a:solidFill>
+                      <a:prstDash val="solid"/>
+                      <a:round/>
+                      <a:headEnd type="none" w="med" len="med"/>
+                      <a:tailEnd type="none" w="med" len="med"/>
+                    </a:lnR>
+                    <a:lnT w="12700" cap="flat" cmpd="sng" algn="ctr">
+                      <a:solidFill>
+                        <a:schemeClr val="tx1"/>
+                      </a:solidFill>
+                      <a:prstDash val="solid"/>
+                      <a:round/>
+                      <a:headEnd type="none" w="med" len="med"/>
+                      <a:tailEnd type="none" w="med" len="med"/>
+                    </a:lnT>
+                    <a:lnB w="12700" cap="flat" cmpd="sng" algn="ctr">
+                      <a:solidFill>
+                        <a:schemeClr val="tx1"/>
+                      </a:solidFill>
+                      <a:prstDash val="solid"/>
+                      <a:round/>
+                      <a:headEnd type="none" w="med" len="med"/>
+                      <a:tailEnd type="none" w="med" len="med"/>
+                    </a:lnB>
+                    <a:lnTlToBr w="12700" cmpd="sng">
+                      <a:noFill/>
+                      <a:prstDash val="solid"/>
+                    </a:lnTlToBr>
+                    <a:lnBlToTr w="12700" cmpd="sng">
+                      <a:noFill/>
+                      <a:prstDash val="solid"/>
+                    </a:lnBlToTr>
+                    <a:solidFill>
+                      <a:schemeClr val="bg1"/>
+                    </a:solidFill>
+                  </a:tcPr>
+                </a:tc>
+                <a:tc>
+                  <a:txBody>
+                    <a:bodyPr/>
+                    <a:lstStyle/>
+                    <a:p>
+                      <a:pPr algn="l" fontAlgn="b"/>
+                      <a:r>
+                        <a:rPr lang="en-US" sz="2000" b="1" u="none" strike="noStrike" dirty="0">
+                          <a:effectLst/>
+                          <a:latin typeface="Calibri" panose="020F0502020204030204" pitchFamily="34" charset="0"/>
+                        </a:rPr>
+                        <a:t>Subject</a:t>
+                      </a:r>
+                      <a:endParaRPr lang="en-US" sz="2000" b="1" i="0" u="none" strike="noStrike" dirty="0">
+                        <a:solidFill>
+                          <a:srgbClr val="000000"/>
+                        </a:solidFill>
+                        <a:effectLst/>
+                        <a:latin typeface="Calibri" panose="020F0502020204030204" pitchFamily="34" charset="0"/>
+                      </a:endParaRPr>
+                    </a:p>
+                  </a:txBody>
+                  <a:tcPr marL="9525" marR="9525" marT="9525" marB="0" anchor="ctr">
+                    <a:lnL w="12700" cap="flat" cmpd="sng" algn="ctr">
+                      <a:solidFill>
+                        <a:schemeClr val="tx1"/>
+                      </a:solidFill>
+                      <a:prstDash val="solid"/>
+                      <a:round/>
+                      <a:headEnd type="none" w="med" len="med"/>
+                      <a:tailEnd type="none" w="med" len="med"/>
+                    </a:lnL>
+                    <a:lnR w="12700" cap="flat" cmpd="sng" algn="ctr">
+                      <a:solidFill>
+                        <a:schemeClr val="tx1"/>
+                      </a:solidFill>
+                      <a:prstDash val="solid"/>
+                      <a:round/>
+                      <a:headEnd type="none" w="med" len="med"/>
+                      <a:tailEnd type="none" w="med" len="med"/>
+                    </a:lnR>
+                    <a:lnT w="12700" cap="flat" cmpd="sng" algn="ctr">
+                      <a:solidFill>
+                        <a:schemeClr val="tx1"/>
+                      </a:solidFill>
+                      <a:prstDash val="solid"/>
+                      <a:round/>
+                      <a:headEnd type="none" w="med" len="med"/>
+                      <a:tailEnd type="none" w="med" len="med"/>
+                    </a:lnT>
+                    <a:lnB w="12700" cap="flat" cmpd="sng" algn="ctr">
+                      <a:solidFill>
+                        <a:schemeClr val="tx1"/>
+                      </a:solidFill>
+                      <a:prstDash val="solid"/>
+                      <a:round/>
+                      <a:headEnd type="none" w="med" len="med"/>
+                      <a:tailEnd type="none" w="med" len="med"/>
+                    </a:lnB>
+                    <a:lnTlToBr w="12700" cmpd="sng">
+                      <a:noFill/>
+                      <a:prstDash val="solid"/>
+                    </a:lnTlToBr>
+                    <a:lnBlToTr w="12700" cmpd="sng">
+                      <a:noFill/>
+                      <a:prstDash val="solid"/>
+                    </a:lnBlToTr>
+                    <a:solidFill>
+                      <a:schemeClr val="bg1"/>
+                    </a:solidFill>
+                  </a:tcPr>
+                </a:tc>
+                <a:tc>
+                  <a:txBody>
+                    <a:bodyPr/>
+                    <a:lstStyle/>
+                    <a:p>
+                      <a:pPr algn="l" fontAlgn="b"/>
+                      <a:r>
+                        <a:rPr lang="en-US" sz="2000" b="1" u="none" strike="noStrike" dirty="0" smtClean="0">
+                          <a:effectLst/>
+                          <a:latin typeface="Calibri" panose="020F0502020204030204" pitchFamily="34" charset="0"/>
+                        </a:rPr>
+                        <a:t>Catalog Number</a:t>
+                      </a:r>
+                      <a:endParaRPr lang="en-US" sz="2000" b="1" i="0" u="none" strike="noStrike" dirty="0">
+                        <a:solidFill>
+                          <a:srgbClr val="000000"/>
+                        </a:solidFill>
+                        <a:effectLst/>
+                        <a:latin typeface="Calibri" panose="020F0502020204030204" pitchFamily="34" charset="0"/>
+                      </a:endParaRPr>
+                    </a:p>
+                  </a:txBody>
+                  <a:tcPr marL="9525" marR="9525" marT="9525" marB="0" anchor="ctr">
+                    <a:lnL w="12700" cap="flat" cmpd="sng" algn="ctr">
+                      <a:solidFill>
+                        <a:schemeClr val="tx1"/>
+                      </a:solidFill>
+                      <a:prstDash val="solid"/>
+                      <a:round/>
+                      <a:headEnd type="none" w="med" len="med"/>
+                      <a:tailEnd type="none" w="med" len="med"/>
+                    </a:lnL>
+                    <a:lnR w="12700" cap="flat" cmpd="sng" algn="ctr">
+                      <a:solidFill>
+                        <a:schemeClr val="tx1"/>
+                      </a:solidFill>
+                      <a:prstDash val="solid"/>
+                      <a:round/>
+                      <a:headEnd type="none" w="med" len="med"/>
+                      <a:tailEnd type="none" w="med" len="med"/>
+                    </a:lnR>
+                    <a:lnT w="12700" cap="flat" cmpd="sng" algn="ctr">
+                      <a:solidFill>
+                        <a:schemeClr val="tx1"/>
+                      </a:solidFill>
+                      <a:prstDash val="solid"/>
+                      <a:round/>
+                      <a:headEnd type="none" w="med" len="med"/>
+                      <a:tailEnd type="none" w="med" len="med"/>
+                    </a:lnT>
+                    <a:lnB w="12700" cap="flat" cmpd="sng" algn="ctr">
+                      <a:solidFill>
+                        <a:schemeClr val="tx1"/>
+                      </a:solidFill>
+                      <a:prstDash val="solid"/>
+                      <a:round/>
+                      <a:headEnd type="none" w="med" len="med"/>
+                      <a:tailEnd type="none" w="med" len="med"/>
+                    </a:lnB>
+                    <a:lnTlToBr w="12700" cmpd="sng">
+                      <a:noFill/>
+                      <a:prstDash val="solid"/>
+                    </a:lnTlToBr>
+                    <a:lnBlToTr w="12700" cmpd="sng">
+                      <a:noFill/>
+                      <a:prstDash val="solid"/>
+                    </a:lnBlToTr>
+                    <a:solidFill>
+                      <a:schemeClr val="bg1"/>
+                    </a:solidFill>
+                  </a:tcPr>
+                </a:tc>
+                <a:tc>
+                  <a:txBody>
+                    <a:bodyPr/>
+                    <a:lstStyle/>
+                    <a:p>
+                      <a:pPr algn="l" fontAlgn="b"/>
+                      <a:r>
+                        <a:rPr lang="en-US" sz="2000" b="1" u="none" strike="noStrike" dirty="0">
+                          <a:effectLst/>
+                          <a:latin typeface="Calibri" panose="020F0502020204030204" pitchFamily="34" charset="0"/>
+                        </a:rPr>
+                        <a:t>Section</a:t>
+                      </a:r>
+                      <a:endParaRPr lang="en-US" sz="2000" b="1" i="0" u="none" strike="noStrike" dirty="0">
+                        <a:solidFill>
+                          <a:srgbClr val="000000"/>
+                        </a:solidFill>
+                        <a:effectLst/>
+                        <a:latin typeface="Calibri" panose="020F0502020204030204" pitchFamily="34" charset="0"/>
+                      </a:endParaRPr>
+                    </a:p>
+                  </a:txBody>
+                  <a:tcPr marL="9525" marR="9525" marT="9525" marB="0" anchor="ctr">
+                    <a:lnL w="12700" cap="flat" cmpd="sng" algn="ctr">
+                      <a:solidFill>
+                        <a:schemeClr val="tx1"/>
+                      </a:solidFill>
+                      <a:prstDash val="solid"/>
+                      <a:round/>
+                      <a:headEnd type="none" w="med" len="med"/>
+                      <a:tailEnd type="none" w="med" len="med"/>
+                    </a:lnL>
+                    <a:lnR w="12700" cap="flat" cmpd="sng" algn="ctr">
+                      <a:solidFill>
+                        <a:schemeClr val="tx1"/>
+                      </a:solidFill>
+                      <a:prstDash val="solid"/>
+                      <a:round/>
+                      <a:headEnd type="none" w="med" len="med"/>
+                      <a:tailEnd type="none" w="med" len="med"/>
+                    </a:lnR>
+                    <a:lnT w="12700" cap="flat" cmpd="sng" algn="ctr">
+                      <a:solidFill>
+                        <a:schemeClr val="tx1"/>
+                      </a:solidFill>
+                      <a:prstDash val="solid"/>
+                      <a:round/>
+                      <a:headEnd type="none" w="med" len="med"/>
+                      <a:tailEnd type="none" w="med" len="med"/>
+                    </a:lnT>
+                    <a:lnB w="12700" cap="flat" cmpd="sng" algn="ctr">
+                      <a:solidFill>
+                        <a:schemeClr val="tx1"/>
+                      </a:solidFill>
+                      <a:prstDash val="solid"/>
+                      <a:round/>
+                      <a:headEnd type="none" w="med" len="med"/>
+                      <a:tailEnd type="none" w="med" len="med"/>
+                    </a:lnB>
+                    <a:lnTlToBr w="12700" cmpd="sng">
+                      <a:noFill/>
+                      <a:prstDash val="solid"/>
+                    </a:lnTlToBr>
+                    <a:lnBlToTr w="12700" cmpd="sng">
+                      <a:noFill/>
+                      <a:prstDash val="solid"/>
+                    </a:lnBlToTr>
+                    <a:solidFill>
+                      <a:schemeClr val="bg1"/>
+                    </a:solidFill>
+                  </a:tcPr>
+                </a:tc>
+                <a:tc rowSpan="2">
+                  <a:txBody>
+                    <a:bodyPr/>
+                    <a:lstStyle/>
+                    <a:p>
+                      <a:pPr algn="ctr" fontAlgn="ctr"/>
+                      <a:r>
+                        <a:rPr lang="en-US" sz="2000" b="1" u="none" strike="noStrike" dirty="0">
+                          <a:effectLst/>
+                          <a:latin typeface="Calibri" panose="020F0502020204030204" pitchFamily="34" charset="0"/>
+                        </a:rPr>
+                        <a:t>…</a:t>
+                      </a:r>
+                      <a:endParaRPr lang="en-US" sz="2000" b="1" i="0" u="none" strike="noStrike" dirty="0">
+                        <a:solidFill>
+                          <a:srgbClr val="000000"/>
+                        </a:solidFill>
+                        <a:effectLst/>
+                        <a:latin typeface="Calibri" panose="020F0502020204030204" pitchFamily="34" charset="0"/>
+                      </a:endParaRPr>
+                    </a:p>
+                  </a:txBody>
+                  <a:tcPr marL="9525" marR="9525" marT="9525" marB="0" anchor="ctr">
+                    <a:lnL w="12700" cap="flat" cmpd="sng" algn="ctr">
+                      <a:solidFill>
+                        <a:schemeClr val="tx1"/>
+                      </a:solidFill>
+                      <a:prstDash val="solid"/>
+                      <a:round/>
+                      <a:headEnd type="none" w="med" len="med"/>
+                      <a:tailEnd type="none" w="med" len="med"/>
+                    </a:lnL>
+                    <a:lnR w="12700" cap="flat" cmpd="sng" algn="ctr">
+                      <a:solidFill>
+                        <a:schemeClr val="tx1"/>
+                      </a:solidFill>
+                      <a:prstDash val="solid"/>
+                      <a:round/>
+                      <a:headEnd type="none" w="med" len="med"/>
+                      <a:tailEnd type="none" w="med" len="med"/>
+                    </a:lnR>
+                    <a:lnT w="12700" cap="flat" cmpd="sng" algn="ctr">
+                      <a:solidFill>
+                        <a:schemeClr val="tx1"/>
+                      </a:solidFill>
+                      <a:prstDash val="solid"/>
+                      <a:round/>
+                      <a:headEnd type="none" w="med" len="med"/>
+                      <a:tailEnd type="none" w="med" len="med"/>
+                    </a:lnT>
+                    <a:lnB w="12700" cap="flat" cmpd="sng" algn="ctr">
+                      <a:solidFill>
+                        <a:schemeClr val="tx1"/>
+                      </a:solidFill>
+                      <a:prstDash val="solid"/>
+                      <a:round/>
+                      <a:headEnd type="none" w="med" len="med"/>
+                      <a:tailEnd type="none" w="med" len="med"/>
+                    </a:lnB>
+                    <a:lnTlToBr w="12700" cmpd="sng">
+                      <a:noFill/>
+                      <a:prstDash val="solid"/>
+                    </a:lnTlToBr>
+                    <a:lnBlToTr w="12700" cmpd="sng">
+                      <a:noFill/>
+                      <a:prstDash val="solid"/>
+                    </a:lnBlToTr>
+                    <a:solidFill>
+                      <a:schemeClr val="bg1"/>
+                    </a:solidFill>
+                  </a:tcPr>
+                </a:tc>
+                <a:tc>
+                  <a:txBody>
+                    <a:bodyPr/>
+                    <a:lstStyle/>
+                    <a:p>
+                      <a:pPr algn="l" fontAlgn="b"/>
+                      <a:r>
+                        <a:rPr lang="en-US" sz="2000" b="1" u="none" strike="noStrike" dirty="0">
+                          <a:effectLst/>
+                          <a:latin typeface="Calibri" panose="020F0502020204030204" pitchFamily="34" charset="0"/>
+                        </a:rPr>
+                        <a:t>Component</a:t>
+                      </a:r>
+                      <a:endParaRPr lang="en-US" sz="2000" b="1" i="0" u="none" strike="noStrike" dirty="0">
+                        <a:solidFill>
+                          <a:srgbClr val="000000"/>
+                        </a:solidFill>
+                        <a:effectLst/>
+                        <a:latin typeface="Calibri" panose="020F0502020204030204" pitchFamily="34" charset="0"/>
+                      </a:endParaRPr>
+                    </a:p>
+                  </a:txBody>
+                  <a:tcPr marL="9525" marR="9525" marT="9525" marB="0" anchor="ctr">
+                    <a:lnL w="12700" cap="flat" cmpd="sng" algn="ctr">
+                      <a:solidFill>
+                        <a:schemeClr val="tx1"/>
+                      </a:solidFill>
+                      <a:prstDash val="solid"/>
+                      <a:round/>
+                      <a:headEnd type="none" w="med" len="med"/>
+                      <a:tailEnd type="none" w="med" len="med"/>
+                    </a:lnL>
+                    <a:lnR w="12700" cap="flat" cmpd="sng" algn="ctr">
+                      <a:solidFill>
+                        <a:schemeClr val="tx1"/>
+                      </a:solidFill>
+                      <a:prstDash val="solid"/>
+                      <a:round/>
+                      <a:headEnd type="none" w="med" len="med"/>
+                      <a:tailEnd type="none" w="med" len="med"/>
+                    </a:lnR>
+                    <a:lnT w="12700" cap="flat" cmpd="sng" algn="ctr">
+                      <a:solidFill>
+                        <a:schemeClr val="tx1"/>
+                      </a:solidFill>
+                      <a:prstDash val="solid"/>
+                      <a:round/>
+                      <a:headEnd type="none" w="med" len="med"/>
+                      <a:tailEnd type="none" w="med" len="med"/>
+                    </a:lnT>
+                    <a:lnB w="12700" cap="flat" cmpd="sng" algn="ctr">
+                      <a:solidFill>
+                        <a:schemeClr val="tx1"/>
+                      </a:solidFill>
+                      <a:prstDash val="solid"/>
+                      <a:round/>
+                      <a:headEnd type="none" w="med" len="med"/>
+                      <a:tailEnd type="none" w="med" len="med"/>
+                    </a:lnB>
+                    <a:lnTlToBr w="12700" cmpd="sng">
+                      <a:noFill/>
+                      <a:prstDash val="solid"/>
+                    </a:lnTlToBr>
+                    <a:lnBlToTr w="12700" cmpd="sng">
+                      <a:noFill/>
+                      <a:prstDash val="solid"/>
+                    </a:lnBlToTr>
+                    <a:solidFill>
+                      <a:schemeClr val="bg1"/>
+                    </a:solidFill>
+                  </a:tcPr>
+                </a:tc>
+                <a:tc>
+                  <a:txBody>
+                    <a:bodyPr/>
+                    <a:lstStyle/>
+                    <a:p>
+                      <a:pPr algn="l" fontAlgn="b"/>
+                      <a:r>
+                        <a:rPr lang="en-US" sz="2000" b="1" u="none" strike="noStrike" dirty="0">
+                          <a:effectLst/>
+                          <a:latin typeface="Calibri" panose="020F0502020204030204" pitchFamily="34" charset="0"/>
+                        </a:rPr>
+                        <a:t>Mon</a:t>
+                      </a:r>
+                      <a:endParaRPr lang="en-US" sz="2000" b="1" i="0" u="none" strike="noStrike" dirty="0">
+                        <a:solidFill>
+                          <a:srgbClr val="000000"/>
+                        </a:solidFill>
+                        <a:effectLst/>
+                        <a:latin typeface="Calibri" panose="020F0502020204030204" pitchFamily="34" charset="0"/>
+                      </a:endParaRPr>
+                    </a:p>
+                  </a:txBody>
+                  <a:tcPr marL="9525" marR="9525" marT="9525" marB="0" anchor="ctr">
+                    <a:lnL w="12700" cap="flat" cmpd="sng" algn="ctr">
+                      <a:solidFill>
+                        <a:schemeClr val="tx1"/>
+                      </a:solidFill>
+                      <a:prstDash val="solid"/>
+                      <a:round/>
+                      <a:headEnd type="none" w="med" len="med"/>
+                      <a:tailEnd type="none" w="med" len="med"/>
+                    </a:lnL>
+                    <a:lnR w="12700" cap="flat" cmpd="sng" algn="ctr">
+                      <a:solidFill>
+                        <a:schemeClr val="tx1"/>
+                      </a:solidFill>
+                      <a:prstDash val="solid"/>
+                      <a:round/>
+                      <a:headEnd type="none" w="med" len="med"/>
+                      <a:tailEnd type="none" w="med" len="med"/>
+                    </a:lnR>
+                    <a:lnT w="12700" cap="flat" cmpd="sng" algn="ctr">
+                      <a:solidFill>
+                        <a:schemeClr val="tx1"/>
+                      </a:solidFill>
+                      <a:prstDash val="solid"/>
+                      <a:round/>
+                      <a:headEnd type="none" w="med" len="med"/>
+                      <a:tailEnd type="none" w="med" len="med"/>
+                    </a:lnT>
+                    <a:lnB w="12700" cap="flat" cmpd="sng" algn="ctr">
+                      <a:solidFill>
+                        <a:schemeClr val="tx1"/>
+                      </a:solidFill>
+                      <a:prstDash val="solid"/>
+                      <a:round/>
+                      <a:headEnd type="none" w="med" len="med"/>
+                      <a:tailEnd type="none" w="med" len="med"/>
+                    </a:lnB>
+                    <a:lnTlToBr w="12700" cmpd="sng">
+                      <a:noFill/>
+                      <a:prstDash val="solid"/>
+                    </a:lnTlToBr>
+                    <a:lnBlToTr w="12700" cmpd="sng">
+                      <a:noFill/>
+                      <a:prstDash val="solid"/>
+                    </a:lnBlToTr>
+                    <a:solidFill>
+                      <a:schemeClr val="bg1"/>
+                    </a:solidFill>
+                  </a:tcPr>
+                </a:tc>
+                <a:tc rowSpan="2">
+                  <a:txBody>
+                    <a:bodyPr/>
+                    <a:lstStyle/>
+                    <a:p>
+                      <a:pPr algn="ctr" fontAlgn="b"/>
+                      <a:r>
+                        <a:rPr lang="en-US" sz="2000" b="1" i="0" u="none" strike="noStrike" dirty="0" smtClean="0">
+                          <a:solidFill>
+                            <a:srgbClr val="000000"/>
+                          </a:solidFill>
+                          <a:effectLst/>
+                          <a:latin typeface="Calibri" panose="020F0502020204030204" pitchFamily="34" charset="0"/>
+                        </a:rPr>
+                        <a:t>…</a:t>
+                      </a:r>
+                      <a:endParaRPr lang="en-US" sz="2000" b="1" i="0" u="none" strike="noStrike" dirty="0">
+                        <a:solidFill>
+                          <a:srgbClr val="000000"/>
+                        </a:solidFill>
+                        <a:effectLst/>
+                        <a:latin typeface="Calibri" panose="020F0502020204030204" pitchFamily="34" charset="0"/>
+                      </a:endParaRPr>
+                    </a:p>
+                  </a:txBody>
+                  <a:tcPr marL="9525" marR="9525" marT="9525" marB="0" anchor="ctr">
+                    <a:lnL w="12700" cap="flat" cmpd="sng" algn="ctr">
+                      <a:solidFill>
+                        <a:schemeClr val="tx1"/>
+                      </a:solidFill>
+                      <a:prstDash val="solid"/>
+                      <a:round/>
+                      <a:headEnd type="none" w="med" len="med"/>
+                      <a:tailEnd type="none" w="med" len="med"/>
+                    </a:lnL>
+                    <a:lnR w="12700" cap="flat" cmpd="sng" algn="ctr">
+                      <a:solidFill>
+                        <a:schemeClr val="tx1"/>
+                      </a:solidFill>
+                      <a:prstDash val="solid"/>
+                      <a:round/>
+                      <a:headEnd type="none" w="med" len="med"/>
+                      <a:tailEnd type="none" w="med" len="med"/>
+                    </a:lnR>
+                    <a:lnT w="12700" cap="flat" cmpd="sng" algn="ctr">
+                      <a:solidFill>
+                        <a:schemeClr val="tx1"/>
+                      </a:solidFill>
+                      <a:prstDash val="solid"/>
+                      <a:round/>
+                      <a:headEnd type="none" w="med" len="med"/>
+                      <a:tailEnd type="none" w="med" len="med"/>
+                    </a:lnT>
+                    <a:lnB w="12700" cap="flat" cmpd="sng" algn="ctr">
+                      <a:solidFill>
+                        <a:schemeClr val="tx1"/>
+                      </a:solidFill>
+                      <a:prstDash val="solid"/>
+                      <a:round/>
+                      <a:headEnd type="none" w="med" len="med"/>
+                      <a:tailEnd type="none" w="med" len="med"/>
+                    </a:lnB>
+                    <a:lnTlToBr w="12700" cmpd="sng">
+                      <a:noFill/>
+                      <a:prstDash val="solid"/>
+                    </a:lnTlToBr>
+                    <a:lnBlToTr w="12700" cmpd="sng">
+                      <a:noFill/>
+                      <a:prstDash val="solid"/>
+                    </a:lnBlToTr>
+                    <a:solidFill>
+                      <a:schemeClr val="bg1"/>
+                    </a:solidFill>
+                  </a:tcPr>
+                </a:tc>
+                <a:tc>
+                  <a:txBody>
+                    <a:bodyPr/>
+                    <a:lstStyle/>
+                    <a:p>
+                      <a:pPr algn="l" fontAlgn="b"/>
+                      <a:r>
+                        <a:rPr lang="en-US" sz="2000" b="1" u="none" strike="noStrike" dirty="0">
+                          <a:effectLst/>
+                          <a:latin typeface="Calibri" panose="020F0502020204030204" pitchFamily="34" charset="0"/>
+                        </a:rPr>
+                        <a:t>Sun</a:t>
+                      </a:r>
+                      <a:endParaRPr lang="en-US" sz="2000" b="1" i="0" u="none" strike="noStrike" dirty="0">
+                        <a:solidFill>
+                          <a:srgbClr val="000000"/>
+                        </a:solidFill>
+                        <a:effectLst/>
+                        <a:latin typeface="Calibri" panose="020F0502020204030204" pitchFamily="34" charset="0"/>
+                      </a:endParaRPr>
+                    </a:p>
+                  </a:txBody>
+                  <a:tcPr marL="9525" marR="9525" marT="9525" marB="0" anchor="ctr">
+                    <a:lnL w="12700" cap="flat" cmpd="sng" algn="ctr">
+                      <a:solidFill>
+                        <a:schemeClr val="tx1"/>
+                      </a:solidFill>
+                      <a:prstDash val="solid"/>
+                      <a:round/>
+                      <a:headEnd type="none" w="med" len="med"/>
+                      <a:tailEnd type="none" w="med" len="med"/>
+                    </a:lnL>
+                    <a:lnR w="12700" cap="flat" cmpd="sng" algn="ctr">
+                      <a:solidFill>
+                        <a:schemeClr val="tx1"/>
+                      </a:solidFill>
+                      <a:prstDash val="solid"/>
+                      <a:round/>
+                      <a:headEnd type="none" w="med" len="med"/>
+                      <a:tailEnd type="none" w="med" len="med"/>
+                    </a:lnR>
+                    <a:lnT w="12700" cap="flat" cmpd="sng" algn="ctr">
+                      <a:solidFill>
+                        <a:schemeClr val="tx1"/>
+                      </a:solidFill>
+                      <a:prstDash val="solid"/>
+                      <a:round/>
+                      <a:headEnd type="none" w="med" len="med"/>
+                      <a:tailEnd type="none" w="med" len="med"/>
+                    </a:lnT>
+                    <a:lnB w="12700" cap="flat" cmpd="sng" algn="ctr">
+                      <a:solidFill>
+                        <a:schemeClr val="tx1"/>
+                      </a:solidFill>
+                      <a:prstDash val="solid"/>
+                      <a:round/>
+                      <a:headEnd type="none" w="med" len="med"/>
+                      <a:tailEnd type="none" w="med" len="med"/>
+                    </a:lnB>
+                    <a:lnTlToBr w="12700" cmpd="sng">
+                      <a:noFill/>
+                      <a:prstDash val="solid"/>
+                    </a:lnTlToBr>
+                    <a:lnBlToTr w="12700" cmpd="sng">
+                      <a:noFill/>
+                      <a:prstDash val="solid"/>
+                    </a:lnBlToTr>
+                    <a:solidFill>
+                      <a:schemeClr val="bg1"/>
+                    </a:solidFill>
+                  </a:tcPr>
+                </a:tc>
+                <a:tc>
+                  <a:txBody>
+                    <a:bodyPr/>
+                    <a:lstStyle/>
+                    <a:p>
+                      <a:pPr algn="l" fontAlgn="b"/>
+                      <a:r>
+                        <a:rPr lang="en-US" sz="2000" b="1" u="none" strike="noStrike" dirty="0" smtClean="0">
+                          <a:effectLst/>
+                          <a:latin typeface="Calibri" panose="020F0502020204030204" pitchFamily="34" charset="0"/>
+                        </a:rPr>
+                        <a:t>Start Time</a:t>
+                      </a:r>
+                      <a:endParaRPr lang="en-US" sz="2000" b="1" i="0" u="none" strike="noStrike" dirty="0">
+                        <a:solidFill>
+                          <a:srgbClr val="000000"/>
+                        </a:solidFill>
+                        <a:effectLst/>
+                        <a:latin typeface="Calibri" panose="020F0502020204030204" pitchFamily="34" charset="0"/>
+                      </a:endParaRPr>
+                    </a:p>
+                  </a:txBody>
+                  <a:tcPr marL="9525" marR="9525" marT="9525" marB="0" anchor="ctr">
+                    <a:lnL w="12700" cap="flat" cmpd="sng" algn="ctr">
+                      <a:solidFill>
+                        <a:schemeClr val="tx1"/>
+                      </a:solidFill>
+                      <a:prstDash val="solid"/>
+                      <a:round/>
+                      <a:headEnd type="none" w="med" len="med"/>
+                      <a:tailEnd type="none" w="med" len="med"/>
+                    </a:lnL>
+                    <a:lnR w="12700" cap="flat" cmpd="sng" algn="ctr">
+                      <a:solidFill>
+                        <a:schemeClr val="tx1"/>
+                      </a:solidFill>
+                      <a:prstDash val="solid"/>
+                      <a:round/>
+                      <a:headEnd type="none" w="med" len="med"/>
+                      <a:tailEnd type="none" w="med" len="med"/>
+                    </a:lnR>
+                    <a:lnT w="12700" cap="flat" cmpd="sng" algn="ctr">
+                      <a:solidFill>
+                        <a:schemeClr val="tx1"/>
+                      </a:solidFill>
+                      <a:prstDash val="solid"/>
+                      <a:round/>
+                      <a:headEnd type="none" w="med" len="med"/>
+                      <a:tailEnd type="none" w="med" len="med"/>
+                    </a:lnT>
+                    <a:lnB w="12700" cap="flat" cmpd="sng" algn="ctr">
+                      <a:solidFill>
+                        <a:schemeClr val="tx1"/>
+                      </a:solidFill>
+                      <a:prstDash val="solid"/>
+                      <a:round/>
+                      <a:headEnd type="none" w="med" len="med"/>
+                      <a:tailEnd type="none" w="med" len="med"/>
+                    </a:lnB>
+                    <a:lnTlToBr w="12700" cmpd="sng">
+                      <a:noFill/>
+                      <a:prstDash val="solid"/>
+                    </a:lnTlToBr>
+                    <a:lnBlToTr w="12700" cmpd="sng">
+                      <a:noFill/>
+                      <a:prstDash val="solid"/>
+                    </a:lnBlToTr>
+                    <a:solidFill>
+                      <a:schemeClr val="bg1"/>
+                    </a:solidFill>
+                  </a:tcPr>
+                </a:tc>
+                <a:tc>
+                  <a:txBody>
+                    <a:bodyPr/>
+                    <a:lstStyle/>
+                    <a:p>
+                      <a:pPr algn="l" fontAlgn="b"/>
+                      <a:r>
+                        <a:rPr lang="en-US" sz="2000" b="1" u="none" strike="noStrike" dirty="0" smtClean="0">
+                          <a:effectLst/>
+                          <a:latin typeface="Calibri" panose="020F0502020204030204" pitchFamily="34" charset="0"/>
+                        </a:rPr>
+                        <a:t>End Time</a:t>
+                      </a:r>
+                      <a:endParaRPr lang="en-US" sz="2000" b="1" i="0" u="none" strike="noStrike" dirty="0">
+                        <a:solidFill>
+                          <a:srgbClr val="000000"/>
+                        </a:solidFill>
+                        <a:effectLst/>
+                        <a:latin typeface="Calibri" panose="020F0502020204030204" pitchFamily="34" charset="0"/>
+                      </a:endParaRPr>
+                    </a:p>
+                  </a:txBody>
+                  <a:tcPr marL="9525" marR="9525" marT="9525" marB="0" anchor="ctr">
+                    <a:lnL w="12700" cap="flat" cmpd="sng" algn="ctr">
+                      <a:solidFill>
+                        <a:schemeClr val="tx1"/>
+                      </a:solidFill>
+                      <a:prstDash val="solid"/>
+                      <a:round/>
+                      <a:headEnd type="none" w="med" len="med"/>
+                      <a:tailEnd type="none" w="med" len="med"/>
+                    </a:lnL>
+                    <a:lnR w="12700" cap="flat" cmpd="sng" algn="ctr">
+                      <a:solidFill>
+                        <a:schemeClr val="tx1"/>
+                      </a:solidFill>
+                      <a:prstDash val="solid"/>
+                      <a:round/>
+                      <a:headEnd type="none" w="med" len="med"/>
+                      <a:tailEnd type="none" w="med" len="med"/>
+                    </a:lnR>
+                    <a:lnT w="12700" cap="flat" cmpd="sng" algn="ctr">
+                      <a:solidFill>
+                        <a:schemeClr val="tx1"/>
+                      </a:solidFill>
+                      <a:prstDash val="solid"/>
+                      <a:round/>
+                      <a:headEnd type="none" w="med" len="med"/>
+                      <a:tailEnd type="none" w="med" len="med"/>
+                    </a:lnT>
+                    <a:lnB w="12700" cap="flat" cmpd="sng" algn="ctr">
+                      <a:solidFill>
+                        <a:schemeClr val="tx1"/>
+                      </a:solidFill>
+                      <a:prstDash val="solid"/>
+                      <a:round/>
+                      <a:headEnd type="none" w="med" len="med"/>
+                      <a:tailEnd type="none" w="med" len="med"/>
+                    </a:lnB>
+                    <a:lnTlToBr w="12700" cmpd="sng">
+                      <a:noFill/>
+                      <a:prstDash val="solid"/>
+                    </a:lnTlToBr>
+                    <a:lnBlToTr w="12700" cmpd="sng">
+                      <a:noFill/>
+                      <a:prstDash val="solid"/>
+                    </a:lnBlToTr>
+                    <a:solidFill>
+                      <a:schemeClr val="bg1"/>
+                    </a:solidFill>
+                  </a:tcPr>
+                </a:tc>
+              </a:tr>
+              <a:tr h="386896">
+                <a:tc>
+                  <a:txBody>
+                    <a:bodyPr/>
+                    <a:lstStyle/>
+                    <a:p>
+                      <a:pPr algn="l" fontAlgn="b"/>
+                      <a:r>
+                        <a:rPr lang="en-US" sz="2000" u="none" strike="noStrike" dirty="0" err="1">
+                          <a:effectLst/>
+                          <a:latin typeface="Calibri" panose="020F0502020204030204" pitchFamily="34" charset="0"/>
+                        </a:rPr>
+                        <a:t>Art&amp;Sci</a:t>
+                      </a:r>
+                      <a:endParaRPr lang="en-US" sz="2000" b="0" i="0" u="none" strike="noStrike" dirty="0">
+                        <a:solidFill>
+                          <a:srgbClr val="000000"/>
+                        </a:solidFill>
+                        <a:effectLst/>
+                        <a:latin typeface="Calibri" panose="020F0502020204030204" pitchFamily="34" charset="0"/>
+                      </a:endParaRPr>
+                    </a:p>
+                  </a:txBody>
+                  <a:tcPr marL="9525" marR="9525" marT="9525" marB="0" anchor="b">
+                    <a:lnL w="12700" cap="flat" cmpd="sng" algn="ctr">
+                      <a:solidFill>
+                        <a:schemeClr val="tx1"/>
+                      </a:solidFill>
+                      <a:prstDash val="solid"/>
+                      <a:round/>
+                      <a:headEnd type="none" w="med" len="med"/>
+                      <a:tailEnd type="none" w="med" len="med"/>
+                    </a:lnL>
+                    <a:lnR w="12700" cap="flat" cmpd="sng" algn="ctr">
+                      <a:solidFill>
+                        <a:schemeClr val="tx1"/>
+                      </a:solidFill>
+                      <a:prstDash val="solid"/>
+                      <a:round/>
+                      <a:headEnd type="none" w="med" len="med"/>
+                      <a:tailEnd type="none" w="med" len="med"/>
+                    </a:lnR>
+                    <a:lnT w="12700" cap="flat" cmpd="sng" algn="ctr">
+                      <a:solidFill>
+                        <a:schemeClr val="tx1"/>
+                      </a:solidFill>
+                      <a:prstDash val="solid"/>
+                      <a:round/>
+                      <a:headEnd type="none" w="med" len="med"/>
+                      <a:tailEnd type="none" w="med" len="med"/>
+                    </a:lnT>
+                    <a:lnB w="12700" cap="flat" cmpd="sng" algn="ctr">
+                      <a:solidFill>
+                        <a:schemeClr val="tx1"/>
+                      </a:solidFill>
+                      <a:prstDash val="solid"/>
+                      <a:round/>
+                      <a:headEnd type="none" w="med" len="med"/>
+                      <a:tailEnd type="none" w="med" len="med"/>
+                    </a:lnB>
+                    <a:lnTlToBr w="12700" cmpd="sng">
+                      <a:noFill/>
+                      <a:prstDash val="solid"/>
+                    </a:lnTlToBr>
+                    <a:lnBlToTr w="12700" cmpd="sng">
+                      <a:noFill/>
+                      <a:prstDash val="solid"/>
+                    </a:lnBlToTr>
+                    <a:solidFill>
+                      <a:schemeClr val="bg1"/>
+                    </a:solidFill>
+                  </a:tcPr>
+                </a:tc>
+                <a:tc>
+                  <a:txBody>
+                    <a:bodyPr/>
+                    <a:lstStyle/>
+                    <a:p>
+                      <a:pPr algn="l" fontAlgn="b"/>
+                      <a:r>
+                        <a:rPr lang="en-US" sz="2000" u="none" strike="noStrike">
+                          <a:effectLst/>
+                          <a:latin typeface="Calibri" panose="020F0502020204030204" pitchFamily="34" charset="0"/>
+                        </a:rPr>
+                        <a:t>Biology</a:t>
+                      </a:r>
+                      <a:endParaRPr lang="en-US" sz="2000" b="0" i="0" u="none" strike="noStrike">
+                        <a:solidFill>
+                          <a:srgbClr val="000000"/>
+                        </a:solidFill>
+                        <a:effectLst/>
+                        <a:latin typeface="Calibri" panose="020F0502020204030204" pitchFamily="34" charset="0"/>
+                      </a:endParaRPr>
+                    </a:p>
+                  </a:txBody>
+                  <a:tcPr marL="9525" marR="9525" marT="9525" marB="0" anchor="b">
+                    <a:lnL w="12700" cap="flat" cmpd="sng" algn="ctr">
+                      <a:solidFill>
+                        <a:schemeClr val="tx1"/>
+                      </a:solidFill>
+                      <a:prstDash val="solid"/>
+                      <a:round/>
+                      <a:headEnd type="none" w="med" len="med"/>
+                      <a:tailEnd type="none" w="med" len="med"/>
+                    </a:lnL>
+                    <a:lnR w="12700" cap="flat" cmpd="sng" algn="ctr">
+                      <a:solidFill>
+                        <a:schemeClr val="tx1"/>
+                      </a:solidFill>
+                      <a:prstDash val="solid"/>
+                      <a:round/>
+                      <a:headEnd type="none" w="med" len="med"/>
+                      <a:tailEnd type="none" w="med" len="med"/>
+                    </a:lnR>
+                    <a:lnT w="12700" cap="flat" cmpd="sng" algn="ctr">
+                      <a:solidFill>
+                        <a:schemeClr val="tx1"/>
+                      </a:solidFill>
+                      <a:prstDash val="solid"/>
+                      <a:round/>
+                      <a:headEnd type="none" w="med" len="med"/>
+                      <a:tailEnd type="none" w="med" len="med"/>
+                    </a:lnT>
+                    <a:lnB w="12700" cap="flat" cmpd="sng" algn="ctr">
+                      <a:solidFill>
+                        <a:schemeClr val="tx1"/>
+                      </a:solidFill>
+                      <a:prstDash val="solid"/>
+                      <a:round/>
+                      <a:headEnd type="none" w="med" len="med"/>
+                      <a:tailEnd type="none" w="med" len="med"/>
+                    </a:lnB>
+                    <a:lnTlToBr w="12700" cmpd="sng">
+                      <a:noFill/>
+                      <a:prstDash val="solid"/>
+                    </a:lnTlToBr>
+                    <a:lnBlToTr w="12700" cmpd="sng">
+                      <a:noFill/>
+                      <a:prstDash val="solid"/>
+                    </a:lnBlToTr>
+                    <a:solidFill>
+                      <a:schemeClr val="bg1"/>
+                    </a:solidFill>
+                  </a:tcPr>
+                </a:tc>
+                <a:tc>
+                  <a:txBody>
+                    <a:bodyPr/>
+                    <a:lstStyle/>
+                    <a:p>
+                      <a:pPr algn="l" fontAlgn="b"/>
+                      <a:r>
+                        <a:rPr lang="en-US" sz="2000" u="none" strike="noStrike">
+                          <a:effectLst/>
+                          <a:latin typeface="Calibri" panose="020F0502020204030204" pitchFamily="34" charset="0"/>
+                        </a:rPr>
+                        <a:t>BIO</a:t>
+                      </a:r>
+                      <a:endParaRPr lang="en-US" sz="2000" b="0" i="0" u="none" strike="noStrike">
+                        <a:solidFill>
+                          <a:srgbClr val="000000"/>
+                        </a:solidFill>
+                        <a:effectLst/>
+                        <a:latin typeface="Calibri" panose="020F0502020204030204" pitchFamily="34" charset="0"/>
+                      </a:endParaRPr>
+                    </a:p>
+                  </a:txBody>
+                  <a:tcPr marL="9525" marR="9525" marT="9525" marB="0" anchor="b">
+                    <a:lnL w="12700" cap="flat" cmpd="sng" algn="ctr">
+                      <a:solidFill>
+                        <a:schemeClr val="tx1"/>
+                      </a:solidFill>
+                      <a:prstDash val="solid"/>
+                      <a:round/>
+                      <a:headEnd type="none" w="med" len="med"/>
+                      <a:tailEnd type="none" w="med" len="med"/>
+                    </a:lnL>
+                    <a:lnR w="12700" cap="flat" cmpd="sng" algn="ctr">
+                      <a:solidFill>
+                        <a:schemeClr val="tx1"/>
+                      </a:solidFill>
+                      <a:prstDash val="solid"/>
+                      <a:round/>
+                      <a:headEnd type="none" w="med" len="med"/>
+                      <a:tailEnd type="none" w="med" len="med"/>
+                    </a:lnR>
+                    <a:lnT w="12700" cap="flat" cmpd="sng" algn="ctr">
+                      <a:solidFill>
+                        <a:schemeClr val="tx1"/>
+                      </a:solidFill>
+                      <a:prstDash val="solid"/>
+                      <a:round/>
+                      <a:headEnd type="none" w="med" len="med"/>
+                      <a:tailEnd type="none" w="med" len="med"/>
+                    </a:lnT>
+                    <a:lnB w="12700" cap="flat" cmpd="sng" algn="ctr">
+                      <a:solidFill>
+                        <a:schemeClr val="tx1"/>
+                      </a:solidFill>
+                      <a:prstDash val="solid"/>
+                      <a:round/>
+                      <a:headEnd type="none" w="med" len="med"/>
+                      <a:tailEnd type="none" w="med" len="med"/>
+                    </a:lnB>
+                    <a:lnTlToBr w="12700" cmpd="sng">
+                      <a:noFill/>
+                      <a:prstDash val="solid"/>
+                    </a:lnTlToBr>
+                    <a:lnBlToTr w="12700" cmpd="sng">
+                      <a:noFill/>
+                      <a:prstDash val="solid"/>
+                    </a:lnBlToTr>
+                    <a:solidFill>
+                      <a:schemeClr val="bg1"/>
+                    </a:solidFill>
+                  </a:tcPr>
+                </a:tc>
+                <a:tc>
+                  <a:txBody>
+                    <a:bodyPr/>
+                    <a:lstStyle/>
+                    <a:p>
+                      <a:pPr algn="l" fontAlgn="b"/>
+                      <a:r>
+                        <a:rPr lang="en-US" sz="2000" u="none" strike="noStrike" dirty="0">
+                          <a:effectLst/>
+                          <a:latin typeface="Calibri" panose="020F0502020204030204" pitchFamily="34" charset="0"/>
+                        </a:rPr>
+                        <a:t> 101</a:t>
+                      </a:r>
+                      <a:endParaRPr lang="en-US" sz="2000" b="0" i="0" u="none" strike="noStrike" dirty="0">
+                        <a:solidFill>
+                          <a:srgbClr val="000000"/>
+                        </a:solidFill>
+                        <a:effectLst/>
+                        <a:latin typeface="Calibri" panose="020F0502020204030204" pitchFamily="34" charset="0"/>
+                      </a:endParaRPr>
+                    </a:p>
+                  </a:txBody>
+                  <a:tcPr marL="9525" marR="9525" marT="9525" marB="0" anchor="b">
+                    <a:lnL w="12700" cap="flat" cmpd="sng" algn="ctr">
+                      <a:solidFill>
+                        <a:schemeClr val="tx1"/>
+                      </a:solidFill>
+                      <a:prstDash val="solid"/>
+                      <a:round/>
+                      <a:headEnd type="none" w="med" len="med"/>
+                      <a:tailEnd type="none" w="med" len="med"/>
+                    </a:lnL>
+                    <a:lnR w="12700" cap="flat" cmpd="sng" algn="ctr">
+                      <a:solidFill>
+                        <a:schemeClr val="tx1"/>
+                      </a:solidFill>
+                      <a:prstDash val="solid"/>
+                      <a:round/>
+                      <a:headEnd type="none" w="med" len="med"/>
+                      <a:tailEnd type="none" w="med" len="med"/>
+                    </a:lnR>
+                    <a:lnT w="12700" cap="flat" cmpd="sng" algn="ctr">
+                      <a:solidFill>
+                        <a:schemeClr val="tx1"/>
+                      </a:solidFill>
+                      <a:prstDash val="solid"/>
+                      <a:round/>
+                      <a:headEnd type="none" w="med" len="med"/>
+                      <a:tailEnd type="none" w="med" len="med"/>
+                    </a:lnT>
+                    <a:lnB w="12700" cap="flat" cmpd="sng" algn="ctr">
+                      <a:solidFill>
+                        <a:schemeClr val="tx1"/>
+                      </a:solidFill>
+                      <a:prstDash val="solid"/>
+                      <a:round/>
+                      <a:headEnd type="none" w="med" len="med"/>
+                      <a:tailEnd type="none" w="med" len="med"/>
+                    </a:lnB>
+                    <a:lnTlToBr w="12700" cmpd="sng">
+                      <a:noFill/>
+                      <a:prstDash val="solid"/>
+                    </a:lnTlToBr>
+                    <a:lnBlToTr w="12700" cmpd="sng">
+                      <a:noFill/>
+                      <a:prstDash val="solid"/>
+                    </a:lnBlToTr>
+                    <a:solidFill>
+                      <a:schemeClr val="bg1"/>
+                    </a:solidFill>
+                  </a:tcPr>
+                </a:tc>
+                <a:tc>
+                  <a:txBody>
+                    <a:bodyPr/>
+                    <a:lstStyle/>
+                    <a:p>
+                      <a:pPr algn="r" fontAlgn="b"/>
+                      <a:r>
+                        <a:rPr lang="en-US" sz="2000" u="none" strike="noStrike">
+                          <a:effectLst/>
+                          <a:latin typeface="Calibri" panose="020F0502020204030204" pitchFamily="34" charset="0"/>
+                        </a:rPr>
+                        <a:t>1</a:t>
+                      </a:r>
+                      <a:endParaRPr lang="en-US" sz="2000" b="0" i="0" u="none" strike="noStrike">
+                        <a:solidFill>
+                          <a:srgbClr val="000000"/>
+                        </a:solidFill>
+                        <a:effectLst/>
+                        <a:latin typeface="Calibri" panose="020F0502020204030204" pitchFamily="34" charset="0"/>
+                      </a:endParaRPr>
+                    </a:p>
+                  </a:txBody>
+                  <a:tcPr marL="9525" marR="9525" marT="9525" marB="0" anchor="b">
+                    <a:lnL w="12700" cap="flat" cmpd="sng" algn="ctr">
+                      <a:solidFill>
+                        <a:schemeClr val="tx1"/>
+                      </a:solidFill>
+                      <a:prstDash val="solid"/>
+                      <a:round/>
+                      <a:headEnd type="none" w="med" len="med"/>
+                      <a:tailEnd type="none" w="med" len="med"/>
+                    </a:lnL>
+                    <a:lnR w="12700" cap="flat" cmpd="sng" algn="ctr">
+                      <a:solidFill>
+                        <a:schemeClr val="tx1"/>
+                      </a:solidFill>
+                      <a:prstDash val="solid"/>
+                      <a:round/>
+                      <a:headEnd type="none" w="med" len="med"/>
+                      <a:tailEnd type="none" w="med" len="med"/>
+                    </a:lnR>
+                    <a:lnT w="12700" cap="flat" cmpd="sng" algn="ctr">
+                      <a:solidFill>
+                        <a:schemeClr val="tx1"/>
+                      </a:solidFill>
+                      <a:prstDash val="solid"/>
+                      <a:round/>
+                      <a:headEnd type="none" w="med" len="med"/>
+                      <a:tailEnd type="none" w="med" len="med"/>
+                    </a:lnT>
+                    <a:lnB w="12700" cap="flat" cmpd="sng" algn="ctr">
+                      <a:solidFill>
+                        <a:schemeClr val="tx1"/>
+                      </a:solidFill>
+                      <a:prstDash val="solid"/>
+                      <a:round/>
+                      <a:headEnd type="none" w="med" len="med"/>
+                      <a:tailEnd type="none" w="med" len="med"/>
+                    </a:lnB>
+                    <a:lnTlToBr w="12700" cmpd="sng">
+                      <a:noFill/>
+                      <a:prstDash val="solid"/>
+                    </a:lnTlToBr>
+                    <a:lnBlToTr w="12700" cmpd="sng">
+                      <a:noFill/>
+                      <a:prstDash val="solid"/>
+                    </a:lnBlToTr>
+                    <a:solidFill>
+                      <a:schemeClr val="bg1"/>
+                    </a:solidFill>
+                  </a:tcPr>
+                </a:tc>
+                <a:tc vMerge="1">
+                  <a:txBody>
+                    <a:bodyPr/>
+                    <a:lstStyle/>
+                    <a:p>
+                      <a:endParaRPr lang="en-US"/>
+                    </a:p>
+                  </a:txBody>
+                  <a:tcPr/>
+                </a:tc>
+                <a:tc>
+                  <a:txBody>
+                    <a:bodyPr/>
+                    <a:lstStyle/>
+                    <a:p>
+                      <a:pPr algn="l" fontAlgn="b"/>
+                      <a:r>
+                        <a:rPr lang="en-US" sz="2000" u="none" strike="noStrike">
+                          <a:effectLst/>
+                          <a:latin typeface="Calibri" panose="020F0502020204030204" pitchFamily="34" charset="0"/>
+                        </a:rPr>
+                        <a:t>Lecture</a:t>
+                      </a:r>
+                      <a:endParaRPr lang="en-US" sz="2000" b="0" i="0" u="none" strike="noStrike">
+                        <a:solidFill>
+                          <a:srgbClr val="000000"/>
+                        </a:solidFill>
+                        <a:effectLst/>
+                        <a:latin typeface="Calibri" panose="020F0502020204030204" pitchFamily="34" charset="0"/>
+                      </a:endParaRPr>
+                    </a:p>
+                  </a:txBody>
+                  <a:tcPr marL="9525" marR="9525" marT="9525" marB="0" anchor="b">
+                    <a:lnL w="12700" cap="flat" cmpd="sng" algn="ctr">
+                      <a:solidFill>
+                        <a:schemeClr val="tx1"/>
+                      </a:solidFill>
+                      <a:prstDash val="solid"/>
+                      <a:round/>
+                      <a:headEnd type="none" w="med" len="med"/>
+                      <a:tailEnd type="none" w="med" len="med"/>
+                    </a:lnL>
+                    <a:lnR w="12700" cap="flat" cmpd="sng" algn="ctr">
+                      <a:solidFill>
+                        <a:schemeClr val="tx1"/>
+                      </a:solidFill>
+                      <a:prstDash val="solid"/>
+                      <a:round/>
+                      <a:headEnd type="none" w="med" len="med"/>
+                      <a:tailEnd type="none" w="med" len="med"/>
+                    </a:lnR>
+                    <a:lnT w="12700" cap="flat" cmpd="sng" algn="ctr">
+                      <a:solidFill>
+                        <a:schemeClr val="tx1"/>
+                      </a:solidFill>
+                      <a:prstDash val="solid"/>
+                      <a:round/>
+                      <a:headEnd type="none" w="med" len="med"/>
+                      <a:tailEnd type="none" w="med" len="med"/>
+                    </a:lnT>
+                    <a:lnB w="12700" cap="flat" cmpd="sng" algn="ctr">
+                      <a:solidFill>
+                        <a:schemeClr val="tx1"/>
+                      </a:solidFill>
+                      <a:prstDash val="solid"/>
+                      <a:round/>
+                      <a:headEnd type="none" w="med" len="med"/>
+                      <a:tailEnd type="none" w="med" len="med"/>
+                    </a:lnB>
+                    <a:lnTlToBr w="12700" cmpd="sng">
+                      <a:noFill/>
+                      <a:prstDash val="solid"/>
+                    </a:lnTlToBr>
+                    <a:lnBlToTr w="12700" cmpd="sng">
+                      <a:noFill/>
+                      <a:prstDash val="solid"/>
+                    </a:lnBlToTr>
+                    <a:solidFill>
+                      <a:schemeClr val="bg1"/>
+                    </a:solidFill>
+                  </a:tcPr>
+                </a:tc>
+                <a:tc>
+                  <a:txBody>
+                    <a:bodyPr/>
+                    <a:lstStyle/>
+                    <a:p>
+                      <a:pPr algn="l" fontAlgn="b"/>
+                      <a:r>
+                        <a:rPr lang="en-US" sz="2000" u="none" strike="noStrike">
+                          <a:effectLst/>
+                          <a:latin typeface="Calibri" panose="020F0502020204030204" pitchFamily="34" charset="0"/>
+                        </a:rPr>
+                        <a:t>Y</a:t>
+                      </a:r>
+                      <a:endParaRPr lang="en-US" sz="2000" b="0" i="0" u="none" strike="noStrike">
+                        <a:solidFill>
+                          <a:srgbClr val="000000"/>
+                        </a:solidFill>
+                        <a:effectLst/>
+                        <a:latin typeface="Calibri" panose="020F0502020204030204" pitchFamily="34" charset="0"/>
+                      </a:endParaRPr>
+                    </a:p>
+                  </a:txBody>
+                  <a:tcPr marL="9525" marR="9525" marT="9525" marB="0" anchor="b">
+                    <a:lnL w="12700" cap="flat" cmpd="sng" algn="ctr">
+                      <a:solidFill>
+                        <a:schemeClr val="tx1"/>
+                      </a:solidFill>
+                      <a:prstDash val="solid"/>
+                      <a:round/>
+                      <a:headEnd type="none" w="med" len="med"/>
+                      <a:tailEnd type="none" w="med" len="med"/>
+                    </a:lnL>
+                    <a:lnR w="12700" cap="flat" cmpd="sng" algn="ctr">
+                      <a:solidFill>
+                        <a:schemeClr val="tx1"/>
+                      </a:solidFill>
+                      <a:prstDash val="solid"/>
+                      <a:round/>
+                      <a:headEnd type="none" w="med" len="med"/>
+                      <a:tailEnd type="none" w="med" len="med"/>
+                    </a:lnR>
+                    <a:lnT w="12700" cap="flat" cmpd="sng" algn="ctr">
+                      <a:solidFill>
+                        <a:schemeClr val="tx1"/>
+                      </a:solidFill>
+                      <a:prstDash val="solid"/>
+                      <a:round/>
+                      <a:headEnd type="none" w="med" len="med"/>
+                      <a:tailEnd type="none" w="med" len="med"/>
+                    </a:lnT>
+                    <a:lnB w="12700" cap="flat" cmpd="sng" algn="ctr">
+                      <a:solidFill>
+                        <a:schemeClr val="tx1"/>
+                      </a:solidFill>
+                      <a:prstDash val="solid"/>
+                      <a:round/>
+                      <a:headEnd type="none" w="med" len="med"/>
+                      <a:tailEnd type="none" w="med" len="med"/>
+                    </a:lnB>
+                    <a:lnTlToBr w="12700" cmpd="sng">
+                      <a:noFill/>
+                      <a:prstDash val="solid"/>
+                    </a:lnTlToBr>
+                    <a:lnBlToTr w="12700" cmpd="sng">
+                      <a:noFill/>
+                      <a:prstDash val="solid"/>
+                    </a:lnBlToTr>
+                    <a:solidFill>
+                      <a:schemeClr val="bg1"/>
+                    </a:solidFill>
+                  </a:tcPr>
+                </a:tc>
+                <a:tc vMerge="1">
+                  <a:txBody>
+                    <a:bodyPr/>
+                    <a:lstStyle/>
+                    <a:p>
+                      <a:pPr algn="l" fontAlgn="b"/>
+                      <a:endParaRPr lang="en-US" sz="2000" b="0" i="0" u="none" strike="noStrike" dirty="0">
+                        <a:solidFill>
+                          <a:srgbClr val="000000"/>
+                        </a:solidFill>
+                        <a:effectLst/>
+                        <a:latin typeface="Calibri" panose="020F0502020204030204" pitchFamily="34" charset="0"/>
+                      </a:endParaRPr>
+                    </a:p>
+                  </a:txBody>
+                  <a:tcPr marL="9525" marR="9525" marT="9525" marB="0" anchor="b">
+                    <a:lnL w="12700" cap="flat" cmpd="sng" algn="ctr">
+                      <a:solidFill>
+                        <a:schemeClr val="tx1"/>
+                      </a:solidFill>
+                      <a:prstDash val="solid"/>
+                      <a:round/>
+                      <a:headEnd type="none" w="med" len="med"/>
+                      <a:tailEnd type="none" w="med" len="med"/>
+                    </a:lnL>
+                    <a:lnR w="12700" cap="flat" cmpd="sng" algn="ctr">
+                      <a:solidFill>
+                        <a:schemeClr val="tx1"/>
+                      </a:solidFill>
+                      <a:prstDash val="solid"/>
+                      <a:round/>
+                      <a:headEnd type="none" w="med" len="med"/>
+                      <a:tailEnd type="none" w="med" len="med"/>
+                    </a:lnR>
+                    <a:lnT w="12700" cap="flat" cmpd="sng" algn="ctr">
+                      <a:solidFill>
+                        <a:schemeClr val="tx1"/>
+                      </a:solidFill>
+                      <a:prstDash val="solid"/>
+                      <a:round/>
+                      <a:headEnd type="none" w="med" len="med"/>
+                      <a:tailEnd type="none" w="med" len="med"/>
+                    </a:lnT>
+                    <a:lnB w="12700" cap="flat" cmpd="sng" algn="ctr">
+                      <a:solidFill>
+                        <a:schemeClr val="tx1"/>
+                      </a:solidFill>
+                      <a:prstDash val="solid"/>
+                      <a:round/>
+                      <a:headEnd type="none" w="med" len="med"/>
+                      <a:tailEnd type="none" w="med" len="med"/>
+                    </a:lnB>
+                    <a:lnTlToBr w="12700" cmpd="sng">
+                      <a:noFill/>
+                      <a:prstDash val="solid"/>
+                    </a:lnTlToBr>
+                    <a:lnBlToTr w="12700" cmpd="sng">
+                      <a:noFill/>
+                      <a:prstDash val="solid"/>
+                    </a:lnBlToTr>
+                    <a:solidFill>
+                      <a:schemeClr val="bg1"/>
+                    </a:solidFill>
+                  </a:tcPr>
+                </a:tc>
+                <a:tc>
+                  <a:txBody>
+                    <a:bodyPr/>
+                    <a:lstStyle/>
+                    <a:p>
+                      <a:pPr algn="l" fontAlgn="b"/>
+                      <a:endParaRPr lang="en-US" sz="2000" b="0" i="0" u="none" strike="noStrike" dirty="0">
+                        <a:solidFill>
+                          <a:srgbClr val="000000"/>
+                        </a:solidFill>
+                        <a:effectLst/>
+                        <a:latin typeface="Calibri" panose="020F0502020204030204" pitchFamily="34" charset="0"/>
+                      </a:endParaRPr>
+                    </a:p>
+                  </a:txBody>
+                  <a:tcPr marL="9525" marR="9525" marT="9525" marB="0" anchor="b">
+                    <a:lnL w="12700" cap="flat" cmpd="sng" algn="ctr">
+                      <a:solidFill>
+                        <a:schemeClr val="tx1"/>
+                      </a:solidFill>
+                      <a:prstDash val="solid"/>
+                      <a:round/>
+                      <a:headEnd type="none" w="med" len="med"/>
+                      <a:tailEnd type="none" w="med" len="med"/>
+                    </a:lnL>
+                    <a:lnR w="12700" cap="flat" cmpd="sng" algn="ctr">
+                      <a:solidFill>
+                        <a:schemeClr val="tx1"/>
+                      </a:solidFill>
+                      <a:prstDash val="solid"/>
+                      <a:round/>
+                      <a:headEnd type="none" w="med" len="med"/>
+                      <a:tailEnd type="none" w="med" len="med"/>
+                    </a:lnR>
+                    <a:lnT w="12700" cap="flat" cmpd="sng" algn="ctr">
+                      <a:solidFill>
+                        <a:schemeClr val="tx1"/>
+                      </a:solidFill>
+                      <a:prstDash val="solid"/>
+                      <a:round/>
+                      <a:headEnd type="none" w="med" len="med"/>
+                      <a:tailEnd type="none" w="med" len="med"/>
+                    </a:lnT>
+                    <a:lnB w="12700" cap="flat" cmpd="sng" algn="ctr">
+                      <a:solidFill>
+                        <a:schemeClr val="tx1"/>
+                      </a:solidFill>
+                      <a:prstDash val="solid"/>
+                      <a:round/>
+                      <a:headEnd type="none" w="med" len="med"/>
+                      <a:tailEnd type="none" w="med" len="med"/>
+                    </a:lnB>
+                    <a:lnTlToBr w="12700" cmpd="sng">
+                      <a:noFill/>
+                      <a:prstDash val="solid"/>
+                    </a:lnTlToBr>
+                    <a:lnBlToTr w="12700" cmpd="sng">
+                      <a:noFill/>
+                      <a:prstDash val="solid"/>
+                    </a:lnBlToTr>
+                    <a:solidFill>
+                      <a:schemeClr val="bg1"/>
+                    </a:solidFill>
+                  </a:tcPr>
+                </a:tc>
+                <a:tc>
+                  <a:txBody>
+                    <a:bodyPr/>
+                    <a:lstStyle/>
+                    <a:p>
+                      <a:pPr algn="r" fontAlgn="b"/>
+                      <a:r>
+                        <a:rPr lang="en-US" sz="2000" u="none" strike="noStrike" dirty="0">
+                          <a:effectLst/>
+                          <a:latin typeface="Calibri" panose="020F0502020204030204" pitchFamily="34" charset="0"/>
+                        </a:rPr>
+                        <a:t>1:00 PM</a:t>
+                      </a:r>
+                      <a:endParaRPr lang="en-US" sz="2000" b="0" i="0" u="none" strike="noStrike" dirty="0">
+                        <a:solidFill>
+                          <a:srgbClr val="000000"/>
+                        </a:solidFill>
+                        <a:effectLst/>
+                        <a:latin typeface="Calibri" panose="020F0502020204030204" pitchFamily="34" charset="0"/>
+                      </a:endParaRPr>
+                    </a:p>
+                  </a:txBody>
+                  <a:tcPr marL="9525" marR="9525" marT="9525" marB="0" anchor="b">
+                    <a:lnL w="12700" cap="flat" cmpd="sng" algn="ctr">
+                      <a:solidFill>
+                        <a:schemeClr val="tx1"/>
+                      </a:solidFill>
+                      <a:prstDash val="solid"/>
+                      <a:round/>
+                      <a:headEnd type="none" w="med" len="med"/>
+                      <a:tailEnd type="none" w="med" len="med"/>
+                    </a:lnL>
+                    <a:lnR w="12700" cap="flat" cmpd="sng" algn="ctr">
+                      <a:solidFill>
+                        <a:schemeClr val="tx1"/>
+                      </a:solidFill>
+                      <a:prstDash val="solid"/>
+                      <a:round/>
+                      <a:headEnd type="none" w="med" len="med"/>
+                      <a:tailEnd type="none" w="med" len="med"/>
+                    </a:lnR>
+                    <a:lnT w="12700" cap="flat" cmpd="sng" algn="ctr">
+                      <a:solidFill>
+                        <a:schemeClr val="tx1"/>
+                      </a:solidFill>
+                      <a:prstDash val="solid"/>
+                      <a:round/>
+                      <a:headEnd type="none" w="med" len="med"/>
+                      <a:tailEnd type="none" w="med" len="med"/>
+                    </a:lnT>
+                    <a:lnB w="12700" cap="flat" cmpd="sng" algn="ctr">
+                      <a:solidFill>
+                        <a:schemeClr val="tx1"/>
+                      </a:solidFill>
+                      <a:prstDash val="solid"/>
+                      <a:round/>
+                      <a:headEnd type="none" w="med" len="med"/>
+                      <a:tailEnd type="none" w="med" len="med"/>
+                    </a:lnB>
+                    <a:lnTlToBr w="12700" cmpd="sng">
+                      <a:noFill/>
+                      <a:prstDash val="solid"/>
+                    </a:lnTlToBr>
+                    <a:lnBlToTr w="12700" cmpd="sng">
+                      <a:noFill/>
+                      <a:prstDash val="solid"/>
+                    </a:lnBlToTr>
+                    <a:solidFill>
+                      <a:schemeClr val="bg1"/>
+                    </a:solidFill>
+                  </a:tcPr>
+                </a:tc>
+                <a:tc>
+                  <a:txBody>
+                    <a:bodyPr/>
+                    <a:lstStyle/>
+                    <a:p>
+                      <a:pPr algn="r" fontAlgn="b"/>
+                      <a:r>
+                        <a:rPr lang="en-US" sz="2000" u="none" strike="noStrike" dirty="0">
+                          <a:effectLst/>
+                          <a:latin typeface="Calibri" panose="020F0502020204030204" pitchFamily="34" charset="0"/>
+                        </a:rPr>
+                        <a:t>1:50 PM</a:t>
+                      </a:r>
+                      <a:endParaRPr lang="en-US" sz="2000" b="0" i="0" u="none" strike="noStrike" dirty="0">
+                        <a:solidFill>
+                          <a:srgbClr val="000000"/>
+                        </a:solidFill>
+                        <a:effectLst/>
+                        <a:latin typeface="Calibri" panose="020F0502020204030204" pitchFamily="34" charset="0"/>
+                      </a:endParaRPr>
+                    </a:p>
+                  </a:txBody>
+                  <a:tcPr marL="9525" marR="9525" marT="9525" marB="0" anchor="b">
+                    <a:lnL w="12700" cap="flat" cmpd="sng" algn="ctr">
+                      <a:solidFill>
+                        <a:schemeClr val="tx1"/>
+                      </a:solidFill>
+                      <a:prstDash val="solid"/>
+                      <a:round/>
+                      <a:headEnd type="none" w="med" len="med"/>
+                      <a:tailEnd type="none" w="med" len="med"/>
+                    </a:lnL>
+                    <a:lnR w="12700" cap="flat" cmpd="sng" algn="ctr">
+                      <a:solidFill>
+                        <a:schemeClr val="tx1"/>
+                      </a:solidFill>
+                      <a:prstDash val="solid"/>
+                      <a:round/>
+                      <a:headEnd type="none" w="med" len="med"/>
+                      <a:tailEnd type="none" w="med" len="med"/>
+                    </a:lnR>
+                    <a:lnT w="12700" cap="flat" cmpd="sng" algn="ctr">
+                      <a:solidFill>
+                        <a:schemeClr val="tx1"/>
+                      </a:solidFill>
+                      <a:prstDash val="solid"/>
+                      <a:round/>
+                      <a:headEnd type="none" w="med" len="med"/>
+                      <a:tailEnd type="none" w="med" len="med"/>
+                    </a:lnT>
+                    <a:lnB w="12700" cap="flat" cmpd="sng" algn="ctr">
+                      <a:solidFill>
+                        <a:schemeClr val="tx1"/>
+                      </a:solidFill>
+                      <a:prstDash val="solid"/>
+                      <a:round/>
+                      <a:headEnd type="none" w="med" len="med"/>
+                      <a:tailEnd type="none" w="med" len="med"/>
+                    </a:lnB>
+                    <a:lnTlToBr w="12700" cmpd="sng">
+                      <a:noFill/>
+                      <a:prstDash val="solid"/>
+                    </a:lnTlToBr>
+                    <a:lnBlToTr w="12700" cmpd="sng">
+                      <a:noFill/>
+                      <a:prstDash val="solid"/>
+                    </a:lnBlToTr>
+                    <a:solidFill>
+                      <a:schemeClr val="bg1"/>
+                    </a:solidFill>
+                  </a:tcPr>
+                </a:tc>
+              </a:tr>
+              <a:tr h="386896">
+                <a:tc gridSpan="12">
+                  <a:txBody>
+                    <a:bodyPr/>
+                    <a:lstStyle/>
+                    <a:p>
+                      <a:pPr algn="ctr" fontAlgn="b"/>
+                      <a:r>
+                        <a:rPr lang="en-US" sz="2000" b="1" i="0" u="none" strike="noStrike" dirty="0" smtClean="0">
+                          <a:solidFill>
+                            <a:srgbClr val="000000"/>
+                          </a:solidFill>
+                          <a:effectLst/>
+                          <a:latin typeface="Calibri" panose="020F0502020204030204" pitchFamily="34" charset="0"/>
+                        </a:rPr>
+                        <a:t>…</a:t>
+                      </a:r>
+                      <a:endParaRPr lang="en-US" sz="2000" b="1" i="0" u="none" strike="noStrike" dirty="0">
+                        <a:solidFill>
+                          <a:srgbClr val="000000"/>
+                        </a:solidFill>
+                        <a:effectLst/>
+                        <a:latin typeface="Calibri" panose="020F0502020204030204" pitchFamily="34" charset="0"/>
+                      </a:endParaRPr>
+                    </a:p>
+                  </a:txBody>
+                  <a:tcPr marL="9525" marR="9525" marT="9525" marB="0" vert="vert" anchor="ctr">
+                    <a:lnL w="12700" cap="flat" cmpd="sng" algn="ctr">
+                      <a:solidFill>
+                        <a:schemeClr val="tx1"/>
+                      </a:solidFill>
+                      <a:prstDash val="solid"/>
+                      <a:round/>
+                      <a:headEnd type="none" w="med" len="med"/>
+                      <a:tailEnd type="none" w="med" len="med"/>
+                    </a:lnL>
+                    <a:lnR w="12700" cap="flat" cmpd="sng" algn="ctr">
+                      <a:solidFill>
+                        <a:schemeClr val="tx1"/>
+                      </a:solidFill>
+                      <a:prstDash val="solid"/>
+                      <a:round/>
+                      <a:headEnd type="none" w="med" len="med"/>
+                      <a:tailEnd type="none" w="med" len="med"/>
+                    </a:lnR>
+                    <a:lnT w="12700" cap="flat" cmpd="sng" algn="ctr">
+                      <a:solidFill>
+                        <a:schemeClr val="tx1"/>
+                      </a:solidFill>
+                      <a:prstDash val="solid"/>
+                      <a:round/>
+                      <a:headEnd type="none" w="med" len="med"/>
+                      <a:tailEnd type="none" w="med" len="med"/>
+                    </a:lnT>
+                    <a:lnB w="12700" cap="flat" cmpd="sng" algn="ctr">
+                      <a:solidFill>
+                        <a:schemeClr val="tx1"/>
+                      </a:solidFill>
+                      <a:prstDash val="solid"/>
+                      <a:round/>
+                      <a:headEnd type="none" w="med" len="med"/>
+                      <a:tailEnd type="none" w="med" len="med"/>
+                    </a:lnB>
+                    <a:lnTlToBr w="12700" cmpd="sng">
+                      <a:noFill/>
+                      <a:prstDash val="solid"/>
+                    </a:lnTlToBr>
+                    <a:lnBlToTr w="12700" cmpd="sng">
+                      <a:noFill/>
+                      <a:prstDash val="solid"/>
+                    </a:lnBlToTr>
+                    <a:solidFill>
+                      <a:schemeClr val="bg1"/>
+                    </a:solidFill>
+                  </a:tcPr>
+                </a:tc>
+                <a:tc hMerge="1">
+                  <a:txBody>
+                    <a:bodyPr/>
+                    <a:lstStyle/>
+                    <a:p>
+                      <a:pPr algn="l" fontAlgn="b"/>
+                      <a:endParaRPr lang="en-US" sz="2000" b="0" i="0" u="none" strike="noStrike" dirty="0">
+                        <a:solidFill>
+                          <a:srgbClr val="000000"/>
+                        </a:solidFill>
+                        <a:effectLst/>
+                        <a:latin typeface="Calibri" panose="020F0502020204030204" pitchFamily="34" charset="0"/>
+                      </a:endParaRPr>
+                    </a:p>
+                  </a:txBody>
+                  <a:tcPr marL="9525" marR="9525" marT="9525" marB="0" anchor="b">
+                    <a:lnL w="12700" cap="flat" cmpd="sng" algn="ctr">
+                      <a:solidFill>
+                        <a:schemeClr val="tx1"/>
+                      </a:solidFill>
+                      <a:prstDash val="solid"/>
+                      <a:round/>
+                      <a:headEnd type="none" w="med" len="med"/>
+                      <a:tailEnd type="none" w="med" len="med"/>
+                    </a:lnL>
+                    <a:lnR w="12700" cap="flat" cmpd="sng" algn="ctr">
+                      <a:solidFill>
+                        <a:schemeClr val="tx1"/>
+                      </a:solidFill>
+                      <a:prstDash val="solid"/>
+                      <a:round/>
+                      <a:headEnd type="none" w="med" len="med"/>
+                      <a:tailEnd type="none" w="med" len="med"/>
+                    </a:lnR>
+                    <a:lnT w="12700" cap="flat" cmpd="sng" algn="ctr">
+                      <a:solidFill>
+                        <a:schemeClr val="tx1"/>
+                      </a:solidFill>
+                      <a:prstDash val="solid"/>
+                      <a:round/>
+                      <a:headEnd type="none" w="med" len="med"/>
+                      <a:tailEnd type="none" w="med" len="med"/>
+                    </a:lnT>
+                    <a:lnB w="12700" cap="flat" cmpd="sng" algn="ctr">
+                      <a:solidFill>
+                        <a:schemeClr val="tx1"/>
+                      </a:solidFill>
+                      <a:prstDash val="solid"/>
+                      <a:round/>
+                      <a:headEnd type="none" w="med" len="med"/>
+                      <a:tailEnd type="none" w="med" len="med"/>
+                    </a:lnB>
+                    <a:lnTlToBr w="12700" cmpd="sng">
+                      <a:noFill/>
+                      <a:prstDash val="solid"/>
+                    </a:lnTlToBr>
+                    <a:lnBlToTr w="12700" cmpd="sng">
+                      <a:noFill/>
+                      <a:prstDash val="solid"/>
+                    </a:lnBlToTr>
+                    <a:solidFill>
+                      <a:schemeClr val="bg1"/>
+                    </a:solidFill>
+                  </a:tcPr>
+                </a:tc>
+                <a:tc hMerge="1">
+                  <a:txBody>
+                    <a:bodyPr/>
+                    <a:lstStyle/>
+                    <a:p>
+                      <a:pPr algn="l" fontAlgn="b"/>
+                      <a:endParaRPr lang="en-US" sz="2000" b="0" i="0" u="none" strike="noStrike" dirty="0">
+                        <a:solidFill>
+                          <a:srgbClr val="000000"/>
+                        </a:solidFill>
+                        <a:effectLst/>
+                        <a:latin typeface="Calibri" panose="020F0502020204030204" pitchFamily="34" charset="0"/>
+                      </a:endParaRPr>
+                    </a:p>
+                  </a:txBody>
+                  <a:tcPr marL="9525" marR="9525" marT="9525" marB="0" anchor="b">
+                    <a:lnL w="12700" cap="flat" cmpd="sng" algn="ctr">
+                      <a:solidFill>
+                        <a:schemeClr val="tx1"/>
+                      </a:solidFill>
+                      <a:prstDash val="solid"/>
+                      <a:round/>
+                      <a:headEnd type="none" w="med" len="med"/>
+                      <a:tailEnd type="none" w="med" len="med"/>
+                    </a:lnL>
+                    <a:lnR w="12700" cap="flat" cmpd="sng" algn="ctr">
+                      <a:solidFill>
+                        <a:schemeClr val="tx1"/>
+                      </a:solidFill>
+                      <a:prstDash val="solid"/>
+                      <a:round/>
+                      <a:headEnd type="none" w="med" len="med"/>
+                      <a:tailEnd type="none" w="med" len="med"/>
+                    </a:lnR>
+                    <a:lnT w="12700" cap="flat" cmpd="sng" algn="ctr">
+                      <a:solidFill>
+                        <a:schemeClr val="tx1"/>
+                      </a:solidFill>
+                      <a:prstDash val="solid"/>
+                      <a:round/>
+                      <a:headEnd type="none" w="med" len="med"/>
+                      <a:tailEnd type="none" w="med" len="med"/>
+                    </a:lnT>
+                    <a:lnB w="12700" cap="flat" cmpd="sng" algn="ctr">
+                      <a:solidFill>
+                        <a:schemeClr val="tx1"/>
+                      </a:solidFill>
+                      <a:prstDash val="solid"/>
+                      <a:round/>
+                      <a:headEnd type="none" w="med" len="med"/>
+                      <a:tailEnd type="none" w="med" len="med"/>
+                    </a:lnB>
+                    <a:lnTlToBr w="12700" cmpd="sng">
+                      <a:noFill/>
+                      <a:prstDash val="solid"/>
+                    </a:lnTlToBr>
+                    <a:lnBlToTr w="12700" cmpd="sng">
+                      <a:noFill/>
+                      <a:prstDash val="solid"/>
+                    </a:lnBlToTr>
+                    <a:solidFill>
+                      <a:schemeClr val="bg1"/>
+                    </a:solidFill>
+                  </a:tcPr>
+                </a:tc>
+                <a:tc hMerge="1">
+                  <a:txBody>
+                    <a:bodyPr/>
+                    <a:lstStyle/>
+                    <a:p>
+                      <a:pPr algn="l" fontAlgn="b"/>
+                      <a:endParaRPr lang="en-US" sz="2000" b="0" i="0" u="none" strike="noStrike" dirty="0">
+                        <a:solidFill>
+                          <a:srgbClr val="000000"/>
+                        </a:solidFill>
+                        <a:effectLst/>
+                        <a:latin typeface="Calibri" panose="020F0502020204030204" pitchFamily="34" charset="0"/>
+                      </a:endParaRPr>
+                    </a:p>
+                  </a:txBody>
+                  <a:tcPr marL="9525" marR="9525" marT="9525" marB="0" anchor="b">
+                    <a:lnL w="12700" cap="flat" cmpd="sng" algn="ctr">
+                      <a:solidFill>
+                        <a:schemeClr val="tx1"/>
+                      </a:solidFill>
+                      <a:prstDash val="solid"/>
+                      <a:round/>
+                      <a:headEnd type="none" w="med" len="med"/>
+                      <a:tailEnd type="none" w="med" len="med"/>
+                    </a:lnL>
+                    <a:lnR w="12700" cap="flat" cmpd="sng" algn="ctr">
+                      <a:solidFill>
+                        <a:schemeClr val="tx1"/>
+                      </a:solidFill>
+                      <a:prstDash val="solid"/>
+                      <a:round/>
+                      <a:headEnd type="none" w="med" len="med"/>
+                      <a:tailEnd type="none" w="med" len="med"/>
+                    </a:lnR>
+                    <a:lnT w="12700" cap="flat" cmpd="sng" algn="ctr">
+                      <a:solidFill>
+                        <a:schemeClr val="tx1"/>
+                      </a:solidFill>
+                      <a:prstDash val="solid"/>
+                      <a:round/>
+                      <a:headEnd type="none" w="med" len="med"/>
+                      <a:tailEnd type="none" w="med" len="med"/>
+                    </a:lnT>
+                    <a:lnB w="12700" cap="flat" cmpd="sng" algn="ctr">
+                      <a:solidFill>
+                        <a:schemeClr val="tx1"/>
+                      </a:solidFill>
+                      <a:prstDash val="solid"/>
+                      <a:round/>
+                      <a:headEnd type="none" w="med" len="med"/>
+                      <a:tailEnd type="none" w="med" len="med"/>
+                    </a:lnB>
+                    <a:lnTlToBr w="12700" cmpd="sng">
+                      <a:noFill/>
+                      <a:prstDash val="solid"/>
+                    </a:lnTlToBr>
+                    <a:lnBlToTr w="12700" cmpd="sng">
+                      <a:noFill/>
+                      <a:prstDash val="solid"/>
+                    </a:lnBlToTr>
+                    <a:solidFill>
+                      <a:schemeClr val="bg1"/>
+                    </a:solidFill>
+                  </a:tcPr>
+                </a:tc>
+                <a:tc hMerge="1">
+                  <a:txBody>
+                    <a:bodyPr/>
+                    <a:lstStyle/>
+                    <a:p>
+                      <a:pPr algn="r" fontAlgn="b"/>
+                      <a:endParaRPr lang="en-US" sz="2000" b="0" i="0" u="none" strike="noStrike" dirty="0">
+                        <a:solidFill>
+                          <a:srgbClr val="000000"/>
+                        </a:solidFill>
+                        <a:effectLst/>
+                        <a:latin typeface="Calibri" panose="020F0502020204030204" pitchFamily="34" charset="0"/>
+                      </a:endParaRPr>
+                    </a:p>
+                  </a:txBody>
+                  <a:tcPr marL="9525" marR="9525" marT="9525" marB="0" anchor="b">
+                    <a:lnL w="12700" cap="flat" cmpd="sng" algn="ctr">
+                      <a:solidFill>
+                        <a:schemeClr val="tx1"/>
+                      </a:solidFill>
+                      <a:prstDash val="solid"/>
+                      <a:round/>
+                      <a:headEnd type="none" w="med" len="med"/>
+                      <a:tailEnd type="none" w="med" len="med"/>
+                    </a:lnL>
+                    <a:lnR w="12700" cap="flat" cmpd="sng" algn="ctr">
+                      <a:solidFill>
+                        <a:schemeClr val="tx1"/>
+                      </a:solidFill>
+                      <a:prstDash val="solid"/>
+                      <a:round/>
+                      <a:headEnd type="none" w="med" len="med"/>
+                      <a:tailEnd type="none" w="med" len="med"/>
+                    </a:lnR>
+                    <a:lnT w="12700" cap="flat" cmpd="sng" algn="ctr">
+                      <a:solidFill>
+                        <a:schemeClr val="tx1"/>
+                      </a:solidFill>
+                      <a:prstDash val="solid"/>
+                      <a:round/>
+                      <a:headEnd type="none" w="med" len="med"/>
+                      <a:tailEnd type="none" w="med" len="med"/>
+                    </a:lnT>
+                    <a:lnB w="12700" cap="flat" cmpd="sng" algn="ctr">
+                      <a:solidFill>
+                        <a:schemeClr val="tx1"/>
+                      </a:solidFill>
+                      <a:prstDash val="solid"/>
+                      <a:round/>
+                      <a:headEnd type="none" w="med" len="med"/>
+                      <a:tailEnd type="none" w="med" len="med"/>
+                    </a:lnB>
+                    <a:lnTlToBr w="12700" cmpd="sng">
+                      <a:noFill/>
+                      <a:prstDash val="solid"/>
+                    </a:lnTlToBr>
+                    <a:lnBlToTr w="12700" cmpd="sng">
+                      <a:noFill/>
+                      <a:prstDash val="solid"/>
+                    </a:lnBlToTr>
+                    <a:solidFill>
+                      <a:schemeClr val="bg1"/>
+                    </a:solidFill>
+                  </a:tcPr>
+                </a:tc>
+                <a:tc hMerge="1">
+                  <a:txBody>
+                    <a:bodyPr/>
+                    <a:lstStyle/>
+                    <a:p>
+                      <a:pPr algn="ctr" fontAlgn="ctr"/>
+                      <a:endParaRPr lang="en-US" sz="2000" b="1" i="0" u="none" strike="noStrike" dirty="0">
+                        <a:solidFill>
+                          <a:srgbClr val="000000"/>
+                        </a:solidFill>
+                        <a:effectLst/>
+                        <a:latin typeface="Calibri" panose="020F0502020204030204" pitchFamily="34" charset="0"/>
+                      </a:endParaRPr>
+                    </a:p>
+                  </a:txBody>
+                  <a:tcPr marL="9525" marR="9525" marT="9525" marB="0" anchor="ctr">
+                    <a:lnL w="12700" cap="flat" cmpd="sng" algn="ctr">
+                      <a:solidFill>
+                        <a:schemeClr val="tx1"/>
+                      </a:solidFill>
+                      <a:prstDash val="solid"/>
+                      <a:round/>
+                      <a:headEnd type="none" w="med" len="med"/>
+                      <a:tailEnd type="none" w="med" len="med"/>
+                    </a:lnL>
+                    <a:lnR w="12700" cap="flat" cmpd="sng" algn="ctr">
+                      <a:solidFill>
+                        <a:schemeClr val="tx1"/>
+                      </a:solidFill>
+                      <a:prstDash val="solid"/>
+                      <a:round/>
+                      <a:headEnd type="none" w="med" len="med"/>
+                      <a:tailEnd type="none" w="med" len="med"/>
+                    </a:lnR>
+                    <a:lnT w="12700" cap="flat" cmpd="sng" algn="ctr">
+                      <a:solidFill>
+                        <a:schemeClr val="tx1"/>
+                      </a:solidFill>
+                      <a:prstDash val="solid"/>
+                      <a:round/>
+                      <a:headEnd type="none" w="med" len="med"/>
+                      <a:tailEnd type="none" w="med" len="med"/>
+                    </a:lnT>
+                    <a:lnB w="12700" cap="flat" cmpd="sng" algn="ctr">
+                      <a:solidFill>
+                        <a:schemeClr val="tx1"/>
+                      </a:solidFill>
+                      <a:prstDash val="solid"/>
+                      <a:round/>
+                      <a:headEnd type="none" w="med" len="med"/>
+                      <a:tailEnd type="none" w="med" len="med"/>
+                    </a:lnB>
+                    <a:lnTlToBr w="12700" cmpd="sng">
+                      <a:noFill/>
+                      <a:prstDash val="solid"/>
+                    </a:lnTlToBr>
+                    <a:lnBlToTr w="12700" cmpd="sng">
+                      <a:noFill/>
+                      <a:prstDash val="solid"/>
+                    </a:lnBlToTr>
+                    <a:solidFill>
+                      <a:schemeClr val="bg1"/>
+                    </a:solidFill>
+                  </a:tcPr>
+                </a:tc>
+                <a:tc hMerge="1">
+                  <a:txBody>
+                    <a:bodyPr/>
+                    <a:lstStyle/>
+                    <a:p>
+                      <a:pPr algn="l" fontAlgn="b"/>
+                      <a:endParaRPr lang="en-US" sz="2000" b="0" i="0" u="none" strike="noStrike" dirty="0">
+                        <a:solidFill>
+                          <a:srgbClr val="000000"/>
+                        </a:solidFill>
+                        <a:effectLst/>
+                        <a:latin typeface="Calibri" panose="020F0502020204030204" pitchFamily="34" charset="0"/>
+                      </a:endParaRPr>
+                    </a:p>
+                  </a:txBody>
+                  <a:tcPr marL="9525" marR="9525" marT="9525" marB="0" anchor="b">
+                    <a:lnL w="12700" cap="flat" cmpd="sng" algn="ctr">
+                      <a:solidFill>
+                        <a:schemeClr val="tx1"/>
+                      </a:solidFill>
+                      <a:prstDash val="solid"/>
+                      <a:round/>
+                      <a:headEnd type="none" w="med" len="med"/>
+                      <a:tailEnd type="none" w="med" len="med"/>
+                    </a:lnL>
+                    <a:lnR w="12700" cap="flat" cmpd="sng" algn="ctr">
+                      <a:solidFill>
+                        <a:schemeClr val="tx1"/>
+                      </a:solidFill>
+                      <a:prstDash val="solid"/>
+                      <a:round/>
+                      <a:headEnd type="none" w="med" len="med"/>
+                      <a:tailEnd type="none" w="med" len="med"/>
+                    </a:lnR>
+                    <a:lnT w="12700" cap="flat" cmpd="sng" algn="ctr">
+                      <a:solidFill>
+                        <a:schemeClr val="tx1"/>
+                      </a:solidFill>
+                      <a:prstDash val="solid"/>
+                      <a:round/>
+                      <a:headEnd type="none" w="med" len="med"/>
+                      <a:tailEnd type="none" w="med" len="med"/>
+                    </a:lnT>
+                    <a:lnB w="12700" cap="flat" cmpd="sng" algn="ctr">
+                      <a:solidFill>
+                        <a:schemeClr val="tx1"/>
+                      </a:solidFill>
+                      <a:prstDash val="solid"/>
+                      <a:round/>
+                      <a:headEnd type="none" w="med" len="med"/>
+                      <a:tailEnd type="none" w="med" len="med"/>
+                    </a:lnB>
+                    <a:lnTlToBr w="12700" cmpd="sng">
+                      <a:noFill/>
+                      <a:prstDash val="solid"/>
+                    </a:lnTlToBr>
+                    <a:lnBlToTr w="12700" cmpd="sng">
+                      <a:noFill/>
+                      <a:prstDash val="solid"/>
+                    </a:lnBlToTr>
+                    <a:solidFill>
+                      <a:schemeClr val="bg1"/>
+                    </a:solidFill>
+                  </a:tcPr>
+                </a:tc>
+                <a:tc hMerge="1">
+                  <a:txBody>
+                    <a:bodyPr/>
+                    <a:lstStyle/>
+                    <a:p>
+                      <a:pPr algn="l" fontAlgn="b"/>
+                      <a:endParaRPr lang="en-US" sz="2000" b="0" i="0" u="none" strike="noStrike" dirty="0">
+                        <a:solidFill>
+                          <a:srgbClr val="000000"/>
+                        </a:solidFill>
+                        <a:effectLst/>
+                        <a:latin typeface="Calibri" panose="020F0502020204030204" pitchFamily="34" charset="0"/>
+                      </a:endParaRPr>
+                    </a:p>
+                  </a:txBody>
+                  <a:tcPr marL="9525" marR="9525" marT="9525" marB="0" anchor="b">
+                    <a:lnL w="12700" cap="flat" cmpd="sng" algn="ctr">
+                      <a:solidFill>
+                        <a:schemeClr val="tx1"/>
+                      </a:solidFill>
+                      <a:prstDash val="solid"/>
+                      <a:round/>
+                      <a:headEnd type="none" w="med" len="med"/>
+                      <a:tailEnd type="none" w="med" len="med"/>
+                    </a:lnL>
+                    <a:lnR w="12700" cap="flat" cmpd="sng" algn="ctr">
+                      <a:solidFill>
+                        <a:schemeClr val="tx1"/>
+                      </a:solidFill>
+                      <a:prstDash val="solid"/>
+                      <a:round/>
+                      <a:headEnd type="none" w="med" len="med"/>
+                      <a:tailEnd type="none" w="med" len="med"/>
+                    </a:lnR>
+                    <a:lnT w="12700" cap="flat" cmpd="sng" algn="ctr">
+                      <a:solidFill>
+                        <a:schemeClr val="tx1"/>
+                      </a:solidFill>
+                      <a:prstDash val="solid"/>
+                      <a:round/>
+                      <a:headEnd type="none" w="med" len="med"/>
+                      <a:tailEnd type="none" w="med" len="med"/>
+                    </a:lnT>
+                    <a:lnB w="12700" cap="flat" cmpd="sng" algn="ctr">
+                      <a:solidFill>
+                        <a:schemeClr val="tx1"/>
+                      </a:solidFill>
+                      <a:prstDash val="solid"/>
+                      <a:round/>
+                      <a:headEnd type="none" w="med" len="med"/>
+                      <a:tailEnd type="none" w="med" len="med"/>
+                    </a:lnB>
+                    <a:lnTlToBr w="12700" cmpd="sng">
+                      <a:noFill/>
+                      <a:prstDash val="solid"/>
+                    </a:lnTlToBr>
+                    <a:lnBlToTr w="12700" cmpd="sng">
+                      <a:noFill/>
+                      <a:prstDash val="solid"/>
+                    </a:lnBlToTr>
+                    <a:solidFill>
+                      <a:schemeClr val="bg1"/>
+                    </a:solidFill>
+                  </a:tcPr>
+                </a:tc>
+                <a:tc hMerge="1">
+                  <a:txBody>
+                    <a:bodyPr/>
+                    <a:lstStyle/>
+                    <a:p>
+                      <a:pPr algn="ctr" fontAlgn="b"/>
+                      <a:endParaRPr lang="en-US" sz="2000" b="1" i="0" u="none" strike="noStrike" dirty="0">
+                        <a:solidFill>
+                          <a:srgbClr val="000000"/>
+                        </a:solidFill>
+                        <a:effectLst/>
+                        <a:latin typeface="Calibri" panose="020F0502020204030204" pitchFamily="34" charset="0"/>
+                      </a:endParaRPr>
+                    </a:p>
+                  </a:txBody>
+                  <a:tcPr marL="9525" marR="9525" marT="9525" marB="0" anchor="ctr">
+                    <a:lnL w="12700" cap="flat" cmpd="sng" algn="ctr">
+                      <a:solidFill>
+                        <a:schemeClr val="tx1"/>
+                      </a:solidFill>
+                      <a:prstDash val="solid"/>
+                      <a:round/>
+                      <a:headEnd type="none" w="med" len="med"/>
+                      <a:tailEnd type="none" w="med" len="med"/>
+                    </a:lnL>
+                    <a:lnR w="12700" cap="flat" cmpd="sng" algn="ctr">
+                      <a:solidFill>
+                        <a:schemeClr val="tx1"/>
+                      </a:solidFill>
+                      <a:prstDash val="solid"/>
+                      <a:round/>
+                      <a:headEnd type="none" w="med" len="med"/>
+                      <a:tailEnd type="none" w="med" len="med"/>
+                    </a:lnR>
+                    <a:lnT w="12700" cap="flat" cmpd="sng" algn="ctr">
+                      <a:solidFill>
+                        <a:schemeClr val="tx1"/>
+                      </a:solidFill>
+                      <a:prstDash val="solid"/>
+                      <a:round/>
+                      <a:headEnd type="none" w="med" len="med"/>
+                      <a:tailEnd type="none" w="med" len="med"/>
+                    </a:lnT>
+                    <a:lnB w="12700" cap="flat" cmpd="sng" algn="ctr">
+                      <a:solidFill>
+                        <a:schemeClr val="tx1"/>
+                      </a:solidFill>
+                      <a:prstDash val="solid"/>
+                      <a:round/>
+                      <a:headEnd type="none" w="med" len="med"/>
+                      <a:tailEnd type="none" w="med" len="med"/>
+                    </a:lnB>
+                    <a:lnTlToBr w="12700" cmpd="sng">
+                      <a:noFill/>
+                      <a:prstDash val="solid"/>
+                    </a:lnTlToBr>
+                    <a:lnBlToTr w="12700" cmpd="sng">
+                      <a:noFill/>
+                      <a:prstDash val="solid"/>
+                    </a:lnBlToTr>
+                    <a:solidFill>
+                      <a:schemeClr val="bg1"/>
+                    </a:solidFill>
+                  </a:tcPr>
+                </a:tc>
+                <a:tc hMerge="1">
+                  <a:txBody>
+                    <a:bodyPr/>
+                    <a:lstStyle/>
+                    <a:p>
+                      <a:pPr algn="l" fontAlgn="b"/>
+                      <a:endParaRPr lang="en-US" sz="2000" b="0" i="0" u="none" strike="noStrike" dirty="0">
+                        <a:solidFill>
+                          <a:srgbClr val="000000"/>
+                        </a:solidFill>
+                        <a:effectLst/>
+                        <a:latin typeface="Calibri" panose="020F0502020204030204" pitchFamily="34" charset="0"/>
+                      </a:endParaRPr>
+                    </a:p>
+                  </a:txBody>
+                  <a:tcPr marL="9525" marR="9525" marT="9525" marB="0" anchor="b">
+                    <a:lnL w="12700" cap="flat" cmpd="sng" algn="ctr">
+                      <a:solidFill>
+                        <a:schemeClr val="tx1"/>
+                      </a:solidFill>
+                      <a:prstDash val="solid"/>
+                      <a:round/>
+                      <a:headEnd type="none" w="med" len="med"/>
+                      <a:tailEnd type="none" w="med" len="med"/>
+                    </a:lnL>
+                    <a:lnR w="12700" cap="flat" cmpd="sng" algn="ctr">
+                      <a:solidFill>
+                        <a:schemeClr val="tx1"/>
+                      </a:solidFill>
+                      <a:prstDash val="solid"/>
+                      <a:round/>
+                      <a:headEnd type="none" w="med" len="med"/>
+                      <a:tailEnd type="none" w="med" len="med"/>
+                    </a:lnR>
+                    <a:lnT w="12700" cap="flat" cmpd="sng" algn="ctr">
+                      <a:solidFill>
+                        <a:schemeClr val="tx1"/>
+                      </a:solidFill>
+                      <a:prstDash val="solid"/>
+                      <a:round/>
+                      <a:headEnd type="none" w="med" len="med"/>
+                      <a:tailEnd type="none" w="med" len="med"/>
+                    </a:lnT>
+                    <a:lnB w="12700" cap="flat" cmpd="sng" algn="ctr">
+                      <a:solidFill>
+                        <a:schemeClr val="tx1"/>
+                      </a:solidFill>
+                      <a:prstDash val="solid"/>
+                      <a:round/>
+                      <a:headEnd type="none" w="med" len="med"/>
+                      <a:tailEnd type="none" w="med" len="med"/>
+                    </a:lnB>
+                    <a:lnTlToBr w="12700" cmpd="sng">
+                      <a:noFill/>
+                      <a:prstDash val="solid"/>
+                    </a:lnTlToBr>
+                    <a:lnBlToTr w="12700" cmpd="sng">
+                      <a:noFill/>
+                      <a:prstDash val="solid"/>
+                    </a:lnBlToTr>
+                    <a:solidFill>
+                      <a:schemeClr val="bg1"/>
+                    </a:solidFill>
+                  </a:tcPr>
+                </a:tc>
+                <a:tc hMerge="1">
+                  <a:txBody>
+                    <a:bodyPr/>
+                    <a:lstStyle/>
+                    <a:p>
+                      <a:pPr algn="r" fontAlgn="b"/>
+                      <a:endParaRPr lang="en-US" sz="2000" b="0" i="0" u="none" strike="noStrike" dirty="0">
+                        <a:solidFill>
+                          <a:srgbClr val="000000"/>
+                        </a:solidFill>
+                        <a:effectLst/>
+                        <a:latin typeface="Calibri" panose="020F0502020204030204" pitchFamily="34" charset="0"/>
+                      </a:endParaRPr>
+                    </a:p>
+                  </a:txBody>
+                  <a:tcPr marL="9525" marR="9525" marT="9525" marB="0" anchor="b">
+                    <a:lnL w="12700" cap="flat" cmpd="sng" algn="ctr">
+                      <a:solidFill>
+                        <a:schemeClr val="tx1"/>
+                      </a:solidFill>
+                      <a:prstDash val="solid"/>
+                      <a:round/>
+                      <a:headEnd type="none" w="med" len="med"/>
+                      <a:tailEnd type="none" w="med" len="med"/>
+                    </a:lnL>
+                    <a:lnR w="12700" cap="flat" cmpd="sng" algn="ctr">
+                      <a:solidFill>
+                        <a:schemeClr val="tx1"/>
+                      </a:solidFill>
+                      <a:prstDash val="solid"/>
+                      <a:round/>
+                      <a:headEnd type="none" w="med" len="med"/>
+                      <a:tailEnd type="none" w="med" len="med"/>
+                    </a:lnR>
+                    <a:lnT w="12700" cap="flat" cmpd="sng" algn="ctr">
+                      <a:solidFill>
+                        <a:schemeClr val="tx1"/>
+                      </a:solidFill>
+                      <a:prstDash val="solid"/>
+                      <a:round/>
+                      <a:headEnd type="none" w="med" len="med"/>
+                      <a:tailEnd type="none" w="med" len="med"/>
+                    </a:lnT>
+                    <a:lnB w="12700" cap="flat" cmpd="sng" algn="ctr">
+                      <a:solidFill>
+                        <a:schemeClr val="tx1"/>
+                      </a:solidFill>
+                      <a:prstDash val="solid"/>
+                      <a:round/>
+                      <a:headEnd type="none" w="med" len="med"/>
+                      <a:tailEnd type="none" w="med" len="med"/>
+                    </a:lnB>
+                    <a:lnTlToBr w="12700" cmpd="sng">
+                      <a:noFill/>
+                      <a:prstDash val="solid"/>
+                    </a:lnTlToBr>
+                    <a:lnBlToTr w="12700" cmpd="sng">
+                      <a:noFill/>
+                      <a:prstDash val="solid"/>
+                    </a:lnBlToTr>
+                    <a:solidFill>
+                      <a:schemeClr val="bg1"/>
+                    </a:solidFill>
+                  </a:tcPr>
+                </a:tc>
+                <a:tc hMerge="1">
+                  <a:txBody>
+                    <a:bodyPr/>
+                    <a:lstStyle/>
+                    <a:p>
+                      <a:pPr algn="r" fontAlgn="b"/>
+                      <a:endParaRPr lang="en-US" sz="2000" b="0" i="0" u="none" strike="noStrike" dirty="0">
+                        <a:solidFill>
+                          <a:srgbClr val="000000"/>
+                        </a:solidFill>
+                        <a:effectLst/>
+                        <a:latin typeface="Calibri" panose="020F0502020204030204" pitchFamily="34" charset="0"/>
+                      </a:endParaRPr>
+                    </a:p>
+                  </a:txBody>
+                  <a:tcPr marL="9525" marR="9525" marT="9525" marB="0" anchor="b">
+                    <a:lnL w="12700" cap="flat" cmpd="sng" algn="ctr">
+                      <a:solidFill>
+                        <a:schemeClr val="tx1"/>
+                      </a:solidFill>
+                      <a:prstDash val="solid"/>
+                      <a:round/>
+                      <a:headEnd type="none" w="med" len="med"/>
+                      <a:tailEnd type="none" w="med" len="med"/>
+                    </a:lnL>
+                    <a:lnR w="12700" cap="flat" cmpd="sng" algn="ctr">
+                      <a:solidFill>
+                        <a:schemeClr val="tx1"/>
+                      </a:solidFill>
+                      <a:prstDash val="solid"/>
+                      <a:round/>
+                      <a:headEnd type="none" w="med" len="med"/>
+                      <a:tailEnd type="none" w="med" len="med"/>
+                    </a:lnR>
+                    <a:lnT w="12700" cap="flat" cmpd="sng" algn="ctr">
+                      <a:solidFill>
+                        <a:schemeClr val="tx1"/>
+                      </a:solidFill>
+                      <a:prstDash val="solid"/>
+                      <a:round/>
+                      <a:headEnd type="none" w="med" len="med"/>
+                      <a:tailEnd type="none" w="med" len="med"/>
+                    </a:lnT>
+                    <a:lnB w="12700" cap="flat" cmpd="sng" algn="ctr">
+                      <a:solidFill>
+                        <a:schemeClr val="tx1"/>
+                      </a:solidFill>
+                      <a:prstDash val="solid"/>
+                      <a:round/>
+                      <a:headEnd type="none" w="med" len="med"/>
+                      <a:tailEnd type="none" w="med" len="med"/>
+                    </a:lnB>
+                    <a:lnTlToBr w="12700" cmpd="sng">
+                      <a:noFill/>
+                      <a:prstDash val="solid"/>
+                    </a:lnTlToBr>
+                    <a:lnBlToTr w="12700" cmpd="sng">
+                      <a:noFill/>
+                      <a:prstDash val="solid"/>
+                    </a:lnBlToTr>
+                    <a:solidFill>
+                      <a:schemeClr val="bg1"/>
+                    </a:solidFill>
+                  </a:tcPr>
+                </a:tc>
+              </a:tr>
+              <a:tr h="386896">
+                <a:tc>
+                  <a:txBody>
+                    <a:bodyPr/>
+                    <a:lstStyle/>
+                    <a:p>
+                      <a:pPr algn="l" fontAlgn="b"/>
+                      <a:r>
+                        <a:rPr lang="en-US" sz="2000" b="0" i="0" u="none" strike="noStrike" dirty="0" smtClean="0">
+                          <a:solidFill>
+                            <a:srgbClr val="000000"/>
+                          </a:solidFill>
+                          <a:effectLst/>
+                          <a:latin typeface="Calibri" panose="020F0502020204030204" pitchFamily="34" charset="0"/>
+                        </a:rPr>
+                        <a:t>UMDAR</a:t>
+                      </a:r>
+                    </a:p>
+                  </a:txBody>
+                  <a:tcPr marL="9525" marR="9525" marT="9525" marB="0" anchor="b">
+                    <a:lnL w="12700" cap="flat" cmpd="sng" algn="ctr">
+                      <a:solidFill>
+                        <a:schemeClr val="tx1"/>
+                      </a:solidFill>
+                      <a:prstDash val="solid"/>
+                      <a:round/>
+                      <a:headEnd type="none" w="med" len="med"/>
+                      <a:tailEnd type="none" w="med" len="med"/>
+                    </a:lnL>
+                    <a:lnR w="12700" cap="flat" cmpd="sng" algn="ctr">
+                      <a:solidFill>
+                        <a:schemeClr val="tx1"/>
+                      </a:solidFill>
+                      <a:prstDash val="solid"/>
+                      <a:round/>
+                      <a:headEnd type="none" w="med" len="med"/>
+                      <a:tailEnd type="none" w="med" len="med"/>
+                    </a:lnR>
+                    <a:lnT w="12700" cap="flat" cmpd="sng" algn="ctr">
+                      <a:solidFill>
+                        <a:schemeClr val="tx1"/>
+                      </a:solidFill>
+                      <a:prstDash val="solid"/>
+                      <a:round/>
+                      <a:headEnd type="none" w="med" len="med"/>
+                      <a:tailEnd type="none" w="med" len="med"/>
+                    </a:lnT>
+                    <a:lnB w="12700" cap="flat" cmpd="sng" algn="ctr">
+                      <a:solidFill>
+                        <a:schemeClr val="tx1"/>
+                      </a:solidFill>
+                      <a:prstDash val="solid"/>
+                      <a:round/>
+                      <a:headEnd type="none" w="med" len="med"/>
+                      <a:tailEnd type="none" w="med" len="med"/>
+                    </a:lnB>
+                    <a:lnTlToBr w="12700" cmpd="sng">
+                      <a:noFill/>
+                      <a:prstDash val="solid"/>
+                    </a:lnTlToBr>
+                    <a:lnBlToTr w="12700" cmpd="sng">
+                      <a:noFill/>
+                      <a:prstDash val="solid"/>
+                    </a:lnBlToTr>
+                    <a:solidFill>
+                      <a:schemeClr val="bg1"/>
+                    </a:solidFill>
+                  </a:tcPr>
+                </a:tc>
+                <a:tc>
+                  <a:txBody>
+                    <a:bodyPr/>
+                    <a:lstStyle/>
+                    <a:p>
+                      <a:pPr algn="l" fontAlgn="b"/>
+                      <a:r>
+                        <a:rPr lang="en-US" sz="2000" b="0" i="0" u="none" strike="noStrike" dirty="0" smtClean="0">
+                          <a:solidFill>
+                            <a:srgbClr val="000000"/>
+                          </a:solidFill>
+                          <a:effectLst/>
+                          <a:latin typeface="Calibri" panose="020F0502020204030204" pitchFamily="34" charset="0"/>
+                        </a:rPr>
+                        <a:t>UMass </a:t>
+                      </a:r>
+                      <a:r>
+                        <a:rPr lang="en-US" sz="2000" b="0" i="0" u="none" strike="noStrike" dirty="0" err="1" smtClean="0">
+                          <a:solidFill>
+                            <a:srgbClr val="000000"/>
+                          </a:solidFill>
+                          <a:effectLst/>
+                          <a:latin typeface="Calibri" panose="020F0502020204030204" pitchFamily="34" charset="0"/>
+                        </a:rPr>
+                        <a:t>Dmth</a:t>
+                      </a:r>
+                      <a:endParaRPr lang="en-US" sz="2000" b="0" i="0" u="none" strike="noStrike" dirty="0" smtClean="0">
+                        <a:solidFill>
+                          <a:srgbClr val="000000"/>
+                        </a:solidFill>
+                        <a:effectLst/>
+                        <a:latin typeface="Calibri" panose="020F0502020204030204" pitchFamily="34" charset="0"/>
+                      </a:endParaRPr>
+                    </a:p>
+                  </a:txBody>
+                  <a:tcPr marL="9525" marR="9525" marT="9525" marB="0" anchor="b">
+                    <a:lnL w="12700" cap="flat" cmpd="sng" algn="ctr">
+                      <a:solidFill>
+                        <a:schemeClr val="tx1"/>
+                      </a:solidFill>
+                      <a:prstDash val="solid"/>
+                      <a:round/>
+                      <a:headEnd type="none" w="med" len="med"/>
+                      <a:tailEnd type="none" w="med" len="med"/>
+                    </a:lnL>
+                    <a:lnR w="12700" cap="flat" cmpd="sng" algn="ctr">
+                      <a:solidFill>
+                        <a:schemeClr val="tx1"/>
+                      </a:solidFill>
+                      <a:prstDash val="solid"/>
+                      <a:round/>
+                      <a:headEnd type="none" w="med" len="med"/>
+                      <a:tailEnd type="none" w="med" len="med"/>
+                    </a:lnR>
+                    <a:lnT w="12700" cap="flat" cmpd="sng" algn="ctr">
+                      <a:solidFill>
+                        <a:schemeClr val="tx1"/>
+                      </a:solidFill>
+                      <a:prstDash val="solid"/>
+                      <a:round/>
+                      <a:headEnd type="none" w="med" len="med"/>
+                      <a:tailEnd type="none" w="med" len="med"/>
+                    </a:lnT>
+                    <a:lnB w="12700" cap="flat" cmpd="sng" algn="ctr">
+                      <a:solidFill>
+                        <a:schemeClr val="tx1"/>
+                      </a:solidFill>
+                      <a:prstDash val="solid"/>
+                      <a:round/>
+                      <a:headEnd type="none" w="med" len="med"/>
+                      <a:tailEnd type="none" w="med" len="med"/>
+                    </a:lnB>
+                    <a:lnTlToBr w="12700" cmpd="sng">
+                      <a:noFill/>
+                      <a:prstDash val="solid"/>
+                    </a:lnTlToBr>
+                    <a:lnBlToTr w="12700" cmpd="sng">
+                      <a:noFill/>
+                      <a:prstDash val="solid"/>
+                    </a:lnBlToTr>
+                    <a:solidFill>
+                      <a:schemeClr val="bg1"/>
+                    </a:solidFill>
+                  </a:tcPr>
+                </a:tc>
+                <a:tc>
+                  <a:txBody>
+                    <a:bodyPr/>
+                    <a:lstStyle/>
+                    <a:p>
+                      <a:pPr algn="l" fontAlgn="b"/>
+                      <a:r>
+                        <a:rPr lang="en-US" sz="2000" b="0" i="0" u="none" strike="noStrike" dirty="0" smtClean="0">
+                          <a:solidFill>
+                            <a:srgbClr val="000000"/>
+                          </a:solidFill>
+                          <a:effectLst/>
+                          <a:latin typeface="Calibri" panose="020F0502020204030204" pitchFamily="34" charset="0"/>
+                        </a:rPr>
+                        <a:t>UNV</a:t>
+                      </a:r>
+                      <a:endParaRPr lang="en-US" sz="2000" b="0" i="0" u="none" strike="noStrike" dirty="0">
+                        <a:solidFill>
+                          <a:srgbClr val="000000"/>
+                        </a:solidFill>
+                        <a:effectLst/>
+                        <a:latin typeface="Calibri" panose="020F0502020204030204" pitchFamily="34" charset="0"/>
+                      </a:endParaRPr>
+                    </a:p>
+                  </a:txBody>
+                  <a:tcPr marL="9525" marR="9525" marT="9525" marB="0" anchor="b">
+                    <a:lnL w="12700" cap="flat" cmpd="sng" algn="ctr">
+                      <a:solidFill>
+                        <a:schemeClr val="tx1"/>
+                      </a:solidFill>
+                      <a:prstDash val="solid"/>
+                      <a:round/>
+                      <a:headEnd type="none" w="med" len="med"/>
+                      <a:tailEnd type="none" w="med" len="med"/>
+                    </a:lnL>
+                    <a:lnR w="12700" cap="flat" cmpd="sng" algn="ctr">
+                      <a:solidFill>
+                        <a:schemeClr val="tx1"/>
+                      </a:solidFill>
+                      <a:prstDash val="solid"/>
+                      <a:round/>
+                      <a:headEnd type="none" w="med" len="med"/>
+                      <a:tailEnd type="none" w="med" len="med"/>
+                    </a:lnR>
+                    <a:lnT w="12700" cap="flat" cmpd="sng" algn="ctr">
+                      <a:solidFill>
+                        <a:schemeClr val="tx1"/>
+                      </a:solidFill>
+                      <a:prstDash val="solid"/>
+                      <a:round/>
+                      <a:headEnd type="none" w="med" len="med"/>
+                      <a:tailEnd type="none" w="med" len="med"/>
+                    </a:lnT>
+                    <a:lnB w="12700" cap="flat" cmpd="sng" algn="ctr">
+                      <a:solidFill>
+                        <a:schemeClr val="tx1"/>
+                      </a:solidFill>
+                      <a:prstDash val="solid"/>
+                      <a:round/>
+                      <a:headEnd type="none" w="med" len="med"/>
+                      <a:tailEnd type="none" w="med" len="med"/>
+                    </a:lnB>
+                    <a:lnTlToBr w="12700" cmpd="sng">
+                      <a:noFill/>
+                      <a:prstDash val="solid"/>
+                    </a:lnTlToBr>
+                    <a:lnBlToTr w="12700" cmpd="sng">
+                      <a:noFill/>
+                      <a:prstDash val="solid"/>
+                    </a:lnBlToTr>
+                    <a:solidFill>
+                      <a:schemeClr val="bg1"/>
+                    </a:solidFill>
+                  </a:tcPr>
+                </a:tc>
+                <a:tc>
+                  <a:txBody>
+                    <a:bodyPr/>
+                    <a:lstStyle/>
+                    <a:p>
+                      <a:pPr algn="l" fontAlgn="b"/>
+                      <a:r>
+                        <a:rPr lang="en-US" sz="2000" b="0" i="0" u="none" strike="noStrike" dirty="0" smtClean="0">
+                          <a:solidFill>
+                            <a:srgbClr val="000000"/>
+                          </a:solidFill>
+                          <a:effectLst/>
+                          <a:latin typeface="Calibri" panose="020F0502020204030204" pitchFamily="34" charset="0"/>
+                        </a:rPr>
+                        <a:t>101</a:t>
+                      </a:r>
+                      <a:endParaRPr lang="en-US" sz="2000" b="0" i="0" u="none" strike="noStrike" dirty="0">
+                        <a:solidFill>
+                          <a:srgbClr val="000000"/>
+                        </a:solidFill>
+                        <a:effectLst/>
+                        <a:latin typeface="Calibri" panose="020F0502020204030204" pitchFamily="34" charset="0"/>
+                      </a:endParaRPr>
+                    </a:p>
+                  </a:txBody>
+                  <a:tcPr marL="9525" marR="9525" marT="9525" marB="0" anchor="b">
+                    <a:lnL w="12700" cap="flat" cmpd="sng" algn="ctr">
+                      <a:solidFill>
+                        <a:schemeClr val="tx1"/>
+                      </a:solidFill>
+                      <a:prstDash val="solid"/>
+                      <a:round/>
+                      <a:headEnd type="none" w="med" len="med"/>
+                      <a:tailEnd type="none" w="med" len="med"/>
+                    </a:lnL>
+                    <a:lnR w="12700" cap="flat" cmpd="sng" algn="ctr">
+                      <a:solidFill>
+                        <a:schemeClr val="tx1"/>
+                      </a:solidFill>
+                      <a:prstDash val="solid"/>
+                      <a:round/>
+                      <a:headEnd type="none" w="med" len="med"/>
+                      <a:tailEnd type="none" w="med" len="med"/>
+                    </a:lnR>
+                    <a:lnT w="12700" cap="flat" cmpd="sng" algn="ctr">
+                      <a:solidFill>
+                        <a:schemeClr val="tx1"/>
+                      </a:solidFill>
+                      <a:prstDash val="solid"/>
+                      <a:round/>
+                      <a:headEnd type="none" w="med" len="med"/>
+                      <a:tailEnd type="none" w="med" len="med"/>
+                    </a:lnT>
+                    <a:lnB w="12700" cap="flat" cmpd="sng" algn="ctr">
+                      <a:solidFill>
+                        <a:schemeClr val="tx1"/>
+                      </a:solidFill>
+                      <a:prstDash val="solid"/>
+                      <a:round/>
+                      <a:headEnd type="none" w="med" len="med"/>
+                      <a:tailEnd type="none" w="med" len="med"/>
+                    </a:lnB>
+                    <a:lnTlToBr w="12700" cmpd="sng">
+                      <a:noFill/>
+                      <a:prstDash val="solid"/>
+                    </a:lnTlToBr>
+                    <a:lnBlToTr w="12700" cmpd="sng">
+                      <a:noFill/>
+                      <a:prstDash val="solid"/>
+                    </a:lnBlToTr>
+                    <a:solidFill>
+                      <a:schemeClr val="bg1"/>
+                    </a:solidFill>
+                  </a:tcPr>
+                </a:tc>
+                <a:tc>
+                  <a:txBody>
+                    <a:bodyPr/>
+                    <a:lstStyle/>
+                    <a:p>
+                      <a:pPr algn="r" fontAlgn="b"/>
+                      <a:r>
+                        <a:rPr lang="en-US" sz="2000" b="0" i="0" u="none" strike="noStrike" dirty="0" smtClean="0">
+                          <a:solidFill>
+                            <a:srgbClr val="000000"/>
+                          </a:solidFill>
+                          <a:effectLst/>
+                          <a:latin typeface="Calibri" panose="020F0502020204030204" pitchFamily="34" charset="0"/>
+                        </a:rPr>
+                        <a:t>6105</a:t>
+                      </a:r>
+                      <a:endParaRPr lang="en-US" sz="2000" b="0" i="0" u="none" strike="noStrike" dirty="0">
+                        <a:solidFill>
+                          <a:srgbClr val="000000"/>
+                        </a:solidFill>
+                        <a:effectLst/>
+                        <a:latin typeface="Calibri" panose="020F0502020204030204" pitchFamily="34" charset="0"/>
+                      </a:endParaRPr>
+                    </a:p>
+                  </a:txBody>
+                  <a:tcPr marL="9525" marR="9525" marT="9525" marB="0" anchor="b">
+                    <a:lnL w="12700" cap="flat" cmpd="sng" algn="ctr">
+                      <a:solidFill>
+                        <a:schemeClr val="tx1"/>
+                      </a:solidFill>
+                      <a:prstDash val="solid"/>
+                      <a:round/>
+                      <a:headEnd type="none" w="med" len="med"/>
+                      <a:tailEnd type="none" w="med" len="med"/>
+                    </a:lnL>
+                    <a:lnR w="12700" cap="flat" cmpd="sng" algn="ctr">
+                      <a:solidFill>
+                        <a:schemeClr val="tx1"/>
+                      </a:solidFill>
+                      <a:prstDash val="solid"/>
+                      <a:round/>
+                      <a:headEnd type="none" w="med" len="med"/>
+                      <a:tailEnd type="none" w="med" len="med"/>
+                    </a:lnR>
+                    <a:lnT w="12700" cap="flat" cmpd="sng" algn="ctr">
+                      <a:solidFill>
+                        <a:schemeClr val="tx1"/>
+                      </a:solidFill>
+                      <a:prstDash val="solid"/>
+                      <a:round/>
+                      <a:headEnd type="none" w="med" len="med"/>
+                      <a:tailEnd type="none" w="med" len="med"/>
+                    </a:lnT>
+                    <a:lnB w="12700" cap="flat" cmpd="sng" algn="ctr">
+                      <a:solidFill>
+                        <a:schemeClr val="tx1"/>
+                      </a:solidFill>
+                      <a:prstDash val="solid"/>
+                      <a:round/>
+                      <a:headEnd type="none" w="med" len="med"/>
+                      <a:tailEnd type="none" w="med" len="med"/>
+                    </a:lnB>
+                    <a:lnTlToBr w="12700" cmpd="sng">
+                      <a:noFill/>
+                      <a:prstDash val="solid"/>
+                    </a:lnTlToBr>
+                    <a:lnBlToTr w="12700" cmpd="sng">
+                      <a:noFill/>
+                      <a:prstDash val="solid"/>
+                    </a:lnBlToTr>
+                    <a:solidFill>
+                      <a:schemeClr val="bg1"/>
+                    </a:solidFill>
+                  </a:tcPr>
+                </a:tc>
+                <a:tc>
+                  <a:txBody>
+                    <a:bodyPr/>
+                    <a:lstStyle/>
+                    <a:p>
+                      <a:pPr algn="ctr" fontAlgn="ctr"/>
+                      <a:r>
+                        <a:rPr lang="en-US" sz="2000" b="1" i="0" u="none" strike="noStrike" dirty="0" smtClean="0">
+                          <a:solidFill>
+                            <a:srgbClr val="000000"/>
+                          </a:solidFill>
+                          <a:effectLst/>
+                          <a:latin typeface="Calibri" panose="020F0502020204030204" pitchFamily="34" charset="0"/>
+                        </a:rPr>
+                        <a:t>…</a:t>
+                      </a:r>
+                      <a:endParaRPr lang="en-US" sz="2000" b="1" i="0" u="none" strike="noStrike" dirty="0">
+                        <a:solidFill>
+                          <a:srgbClr val="000000"/>
+                        </a:solidFill>
+                        <a:effectLst/>
+                        <a:latin typeface="Calibri" panose="020F0502020204030204" pitchFamily="34" charset="0"/>
+                      </a:endParaRPr>
+                    </a:p>
+                  </a:txBody>
+                  <a:tcPr marL="9525" marR="9525" marT="9525" marB="0" anchor="ctr">
+                    <a:lnL w="12700" cap="flat" cmpd="sng" algn="ctr">
+                      <a:solidFill>
+                        <a:schemeClr val="tx1"/>
+                      </a:solidFill>
+                      <a:prstDash val="solid"/>
+                      <a:round/>
+                      <a:headEnd type="none" w="med" len="med"/>
+                      <a:tailEnd type="none" w="med" len="med"/>
+                    </a:lnL>
+                    <a:lnR w="12700" cap="flat" cmpd="sng" algn="ctr">
+                      <a:solidFill>
+                        <a:schemeClr val="tx1"/>
+                      </a:solidFill>
+                      <a:prstDash val="solid"/>
+                      <a:round/>
+                      <a:headEnd type="none" w="med" len="med"/>
+                      <a:tailEnd type="none" w="med" len="med"/>
+                    </a:lnR>
+                    <a:lnT w="12700" cap="flat" cmpd="sng" algn="ctr">
+                      <a:solidFill>
+                        <a:schemeClr val="tx1"/>
+                      </a:solidFill>
+                      <a:prstDash val="solid"/>
+                      <a:round/>
+                      <a:headEnd type="none" w="med" len="med"/>
+                      <a:tailEnd type="none" w="med" len="med"/>
+                    </a:lnT>
+                    <a:lnB w="12700" cap="flat" cmpd="sng" algn="ctr">
+                      <a:solidFill>
+                        <a:schemeClr val="tx1"/>
+                      </a:solidFill>
+                      <a:prstDash val="solid"/>
+                      <a:round/>
+                      <a:headEnd type="none" w="med" len="med"/>
+                      <a:tailEnd type="none" w="med" len="med"/>
+                    </a:lnB>
+                    <a:lnTlToBr w="12700" cmpd="sng">
+                      <a:noFill/>
+                      <a:prstDash val="solid"/>
+                    </a:lnTlToBr>
+                    <a:lnBlToTr w="12700" cmpd="sng">
+                      <a:noFill/>
+                      <a:prstDash val="solid"/>
+                    </a:lnBlToTr>
+                    <a:solidFill>
+                      <a:schemeClr val="bg1"/>
+                    </a:solidFill>
+                  </a:tcPr>
+                </a:tc>
+                <a:tc>
+                  <a:txBody>
+                    <a:bodyPr/>
+                    <a:lstStyle/>
+                    <a:p>
+                      <a:pPr algn="l" fontAlgn="b"/>
+                      <a:r>
+                        <a:rPr lang="en-US" sz="2000" b="0" i="0" u="none" strike="noStrike" dirty="0" smtClean="0">
+                          <a:solidFill>
+                            <a:srgbClr val="000000"/>
+                          </a:solidFill>
+                          <a:effectLst/>
+                          <a:latin typeface="Calibri" panose="020F0502020204030204" pitchFamily="34" charset="0"/>
+                        </a:rPr>
+                        <a:t>Lecture</a:t>
+                      </a:r>
+                      <a:endParaRPr lang="en-US" sz="2000" b="0" i="0" u="none" strike="noStrike" dirty="0">
+                        <a:solidFill>
+                          <a:srgbClr val="000000"/>
+                        </a:solidFill>
+                        <a:effectLst/>
+                        <a:latin typeface="Calibri" panose="020F0502020204030204" pitchFamily="34" charset="0"/>
+                      </a:endParaRPr>
+                    </a:p>
+                  </a:txBody>
+                  <a:tcPr marL="9525" marR="9525" marT="9525" marB="0" anchor="b">
+                    <a:lnL w="12700" cap="flat" cmpd="sng" algn="ctr">
+                      <a:solidFill>
+                        <a:schemeClr val="tx1"/>
+                      </a:solidFill>
+                      <a:prstDash val="solid"/>
+                      <a:round/>
+                      <a:headEnd type="none" w="med" len="med"/>
+                      <a:tailEnd type="none" w="med" len="med"/>
+                    </a:lnL>
+                    <a:lnR w="12700" cap="flat" cmpd="sng" algn="ctr">
+                      <a:solidFill>
+                        <a:schemeClr val="tx1"/>
+                      </a:solidFill>
+                      <a:prstDash val="solid"/>
+                      <a:round/>
+                      <a:headEnd type="none" w="med" len="med"/>
+                      <a:tailEnd type="none" w="med" len="med"/>
+                    </a:lnR>
+                    <a:lnT w="12700" cap="flat" cmpd="sng" algn="ctr">
+                      <a:solidFill>
+                        <a:schemeClr val="tx1"/>
+                      </a:solidFill>
+                      <a:prstDash val="solid"/>
+                      <a:round/>
+                      <a:headEnd type="none" w="med" len="med"/>
+                      <a:tailEnd type="none" w="med" len="med"/>
+                    </a:lnT>
+                    <a:lnB w="12700" cap="flat" cmpd="sng" algn="ctr">
+                      <a:solidFill>
+                        <a:schemeClr val="tx1"/>
+                      </a:solidFill>
+                      <a:prstDash val="solid"/>
+                      <a:round/>
+                      <a:headEnd type="none" w="med" len="med"/>
+                      <a:tailEnd type="none" w="med" len="med"/>
+                    </a:lnB>
+                    <a:lnTlToBr w="12700" cmpd="sng">
+                      <a:noFill/>
+                      <a:prstDash val="solid"/>
+                    </a:lnTlToBr>
+                    <a:lnBlToTr w="12700" cmpd="sng">
+                      <a:noFill/>
+                      <a:prstDash val="solid"/>
+                    </a:lnBlToTr>
+                    <a:solidFill>
+                      <a:schemeClr val="bg1"/>
+                    </a:solidFill>
+                  </a:tcPr>
+                </a:tc>
+                <a:tc>
+                  <a:txBody>
+                    <a:bodyPr/>
+                    <a:lstStyle/>
+                    <a:p>
+                      <a:pPr algn="l" fontAlgn="b"/>
+                      <a:endParaRPr lang="en-US" sz="2000" b="0" i="0" u="none" strike="noStrike" dirty="0">
+                        <a:solidFill>
+                          <a:srgbClr val="000000"/>
+                        </a:solidFill>
+                        <a:effectLst/>
+                        <a:latin typeface="Calibri" panose="020F0502020204030204" pitchFamily="34" charset="0"/>
+                      </a:endParaRPr>
+                    </a:p>
+                  </a:txBody>
+                  <a:tcPr marL="9525" marR="9525" marT="9525" marB="0" anchor="b">
+                    <a:lnL w="12700" cap="flat" cmpd="sng" algn="ctr">
+                      <a:solidFill>
+                        <a:schemeClr val="tx1"/>
+                      </a:solidFill>
+                      <a:prstDash val="solid"/>
+                      <a:round/>
+                      <a:headEnd type="none" w="med" len="med"/>
+                      <a:tailEnd type="none" w="med" len="med"/>
+                    </a:lnL>
+                    <a:lnR w="12700" cap="flat" cmpd="sng" algn="ctr">
+                      <a:solidFill>
+                        <a:schemeClr val="tx1"/>
+                      </a:solidFill>
+                      <a:prstDash val="solid"/>
+                      <a:round/>
+                      <a:headEnd type="none" w="med" len="med"/>
+                      <a:tailEnd type="none" w="med" len="med"/>
+                    </a:lnR>
+                    <a:lnT w="12700" cap="flat" cmpd="sng" algn="ctr">
+                      <a:solidFill>
+                        <a:schemeClr val="tx1"/>
+                      </a:solidFill>
+                      <a:prstDash val="solid"/>
+                      <a:round/>
+                      <a:headEnd type="none" w="med" len="med"/>
+                      <a:tailEnd type="none" w="med" len="med"/>
+                    </a:lnT>
+                    <a:lnB w="12700" cap="flat" cmpd="sng" algn="ctr">
+                      <a:solidFill>
+                        <a:schemeClr val="tx1"/>
+                      </a:solidFill>
+                      <a:prstDash val="solid"/>
+                      <a:round/>
+                      <a:headEnd type="none" w="med" len="med"/>
+                      <a:tailEnd type="none" w="med" len="med"/>
+                    </a:lnB>
+                    <a:lnTlToBr w="12700" cmpd="sng">
+                      <a:noFill/>
+                      <a:prstDash val="solid"/>
+                    </a:lnTlToBr>
+                    <a:lnBlToTr w="12700" cmpd="sng">
+                      <a:noFill/>
+                      <a:prstDash val="solid"/>
+                    </a:lnBlToTr>
+                    <a:solidFill>
+                      <a:schemeClr val="bg1"/>
+                    </a:solidFill>
+                  </a:tcPr>
+                </a:tc>
+                <a:tc>
+                  <a:txBody>
+                    <a:bodyPr/>
+                    <a:lstStyle/>
+                    <a:p>
+                      <a:pPr algn="ctr" fontAlgn="b"/>
+                      <a:r>
+                        <a:rPr lang="en-US" sz="2000" b="1" i="0" u="none" strike="noStrike" dirty="0" smtClean="0">
+                          <a:solidFill>
+                            <a:srgbClr val="000000"/>
+                          </a:solidFill>
+                          <a:effectLst/>
+                          <a:latin typeface="Calibri" panose="020F0502020204030204" pitchFamily="34" charset="0"/>
+                        </a:rPr>
+                        <a:t>…</a:t>
+                      </a:r>
+                      <a:endParaRPr lang="en-US" sz="2000" b="1" i="0" u="none" strike="noStrike" dirty="0">
+                        <a:solidFill>
+                          <a:srgbClr val="000000"/>
+                        </a:solidFill>
+                        <a:effectLst/>
+                        <a:latin typeface="Calibri" panose="020F0502020204030204" pitchFamily="34" charset="0"/>
+                      </a:endParaRPr>
+                    </a:p>
+                  </a:txBody>
+                  <a:tcPr marL="9525" marR="9525" marT="9525" marB="0" anchor="ctr">
+                    <a:lnL w="12700" cap="flat" cmpd="sng" algn="ctr">
+                      <a:solidFill>
+                        <a:schemeClr val="tx1"/>
+                      </a:solidFill>
+                      <a:prstDash val="solid"/>
+                      <a:round/>
+                      <a:headEnd type="none" w="med" len="med"/>
+                      <a:tailEnd type="none" w="med" len="med"/>
+                    </a:lnL>
+                    <a:lnR w="12700" cap="flat" cmpd="sng" algn="ctr">
+                      <a:solidFill>
+                        <a:schemeClr val="tx1"/>
+                      </a:solidFill>
+                      <a:prstDash val="solid"/>
+                      <a:round/>
+                      <a:headEnd type="none" w="med" len="med"/>
+                      <a:tailEnd type="none" w="med" len="med"/>
+                    </a:lnR>
+                    <a:lnT w="12700" cap="flat" cmpd="sng" algn="ctr">
+                      <a:solidFill>
+                        <a:schemeClr val="tx1"/>
+                      </a:solidFill>
+                      <a:prstDash val="solid"/>
+                      <a:round/>
+                      <a:headEnd type="none" w="med" len="med"/>
+                      <a:tailEnd type="none" w="med" len="med"/>
+                    </a:lnT>
+                    <a:lnB w="12700" cap="flat" cmpd="sng" algn="ctr">
+                      <a:solidFill>
+                        <a:schemeClr val="tx1"/>
+                      </a:solidFill>
+                      <a:prstDash val="solid"/>
+                      <a:round/>
+                      <a:headEnd type="none" w="med" len="med"/>
+                      <a:tailEnd type="none" w="med" len="med"/>
+                    </a:lnB>
+                    <a:lnTlToBr w="12700" cmpd="sng">
+                      <a:noFill/>
+                      <a:prstDash val="solid"/>
+                    </a:lnTlToBr>
+                    <a:lnBlToTr w="12700" cmpd="sng">
+                      <a:noFill/>
+                      <a:prstDash val="solid"/>
+                    </a:lnBlToTr>
+                    <a:solidFill>
+                      <a:schemeClr val="bg1"/>
+                    </a:solidFill>
+                  </a:tcPr>
+                </a:tc>
+                <a:tc>
+                  <a:txBody>
+                    <a:bodyPr/>
+                    <a:lstStyle/>
+                    <a:p>
+                      <a:pPr algn="l" fontAlgn="b"/>
+                      <a:endParaRPr lang="en-US" sz="2000" b="0" i="0" u="none" strike="noStrike" dirty="0">
+                        <a:solidFill>
+                          <a:srgbClr val="000000"/>
+                        </a:solidFill>
+                        <a:effectLst/>
+                        <a:latin typeface="Calibri" panose="020F0502020204030204" pitchFamily="34" charset="0"/>
+                      </a:endParaRPr>
+                    </a:p>
+                  </a:txBody>
+                  <a:tcPr marL="9525" marR="9525" marT="9525" marB="0" anchor="b">
+                    <a:lnL w="12700" cap="flat" cmpd="sng" algn="ctr">
+                      <a:solidFill>
+                        <a:schemeClr val="tx1"/>
+                      </a:solidFill>
+                      <a:prstDash val="solid"/>
+                      <a:round/>
+                      <a:headEnd type="none" w="med" len="med"/>
+                      <a:tailEnd type="none" w="med" len="med"/>
+                    </a:lnL>
+                    <a:lnR w="12700" cap="flat" cmpd="sng" algn="ctr">
+                      <a:solidFill>
+                        <a:schemeClr val="tx1"/>
+                      </a:solidFill>
+                      <a:prstDash val="solid"/>
+                      <a:round/>
+                      <a:headEnd type="none" w="med" len="med"/>
+                      <a:tailEnd type="none" w="med" len="med"/>
+                    </a:lnR>
+                    <a:lnT w="12700" cap="flat" cmpd="sng" algn="ctr">
+                      <a:solidFill>
+                        <a:schemeClr val="tx1"/>
+                      </a:solidFill>
+                      <a:prstDash val="solid"/>
+                      <a:round/>
+                      <a:headEnd type="none" w="med" len="med"/>
+                      <a:tailEnd type="none" w="med" len="med"/>
+                    </a:lnT>
+                    <a:lnB w="12700" cap="flat" cmpd="sng" algn="ctr">
+                      <a:solidFill>
+                        <a:schemeClr val="tx1"/>
+                      </a:solidFill>
+                      <a:prstDash val="solid"/>
+                      <a:round/>
+                      <a:headEnd type="none" w="med" len="med"/>
+                      <a:tailEnd type="none" w="med" len="med"/>
+                    </a:lnB>
+                    <a:lnTlToBr w="12700" cmpd="sng">
+                      <a:noFill/>
+                      <a:prstDash val="solid"/>
+                    </a:lnTlToBr>
+                    <a:lnBlToTr w="12700" cmpd="sng">
+                      <a:noFill/>
+                      <a:prstDash val="solid"/>
+                    </a:lnBlToTr>
+                    <a:solidFill>
+                      <a:schemeClr val="bg1"/>
+                    </a:solidFill>
+                  </a:tcPr>
+                </a:tc>
+                <a:tc>
+                  <a:txBody>
+                    <a:bodyPr/>
+                    <a:lstStyle/>
+                    <a:p>
+                      <a:pPr algn="r" fontAlgn="b"/>
+                      <a:r>
+                        <a:rPr lang="en-US" sz="2000" b="0" i="0" u="none" strike="noStrike" dirty="0" smtClean="0">
+                          <a:solidFill>
+                            <a:srgbClr val="000000"/>
+                          </a:solidFill>
+                          <a:effectLst/>
+                          <a:latin typeface="Calibri" panose="020F0502020204030204" pitchFamily="34" charset="0"/>
+                        </a:rPr>
+                        <a:t>8:00 AM</a:t>
+                      </a:r>
+                      <a:endParaRPr lang="en-US" sz="2000" b="0" i="0" u="none" strike="noStrike" dirty="0">
+                        <a:solidFill>
+                          <a:srgbClr val="000000"/>
+                        </a:solidFill>
+                        <a:effectLst/>
+                        <a:latin typeface="Calibri" panose="020F0502020204030204" pitchFamily="34" charset="0"/>
+                      </a:endParaRPr>
+                    </a:p>
+                  </a:txBody>
+                  <a:tcPr marL="9525" marR="9525" marT="9525" marB="0" anchor="b">
+                    <a:lnL w="12700" cap="flat" cmpd="sng" algn="ctr">
+                      <a:solidFill>
+                        <a:schemeClr val="tx1"/>
+                      </a:solidFill>
+                      <a:prstDash val="solid"/>
+                      <a:round/>
+                      <a:headEnd type="none" w="med" len="med"/>
+                      <a:tailEnd type="none" w="med" len="med"/>
+                    </a:lnL>
+                    <a:lnR w="12700" cap="flat" cmpd="sng" algn="ctr">
+                      <a:solidFill>
+                        <a:schemeClr val="tx1"/>
+                      </a:solidFill>
+                      <a:prstDash val="solid"/>
+                      <a:round/>
+                      <a:headEnd type="none" w="med" len="med"/>
+                      <a:tailEnd type="none" w="med" len="med"/>
+                    </a:lnR>
+                    <a:lnT w="12700" cap="flat" cmpd="sng" algn="ctr">
+                      <a:solidFill>
+                        <a:schemeClr val="tx1"/>
+                      </a:solidFill>
+                      <a:prstDash val="solid"/>
+                      <a:round/>
+                      <a:headEnd type="none" w="med" len="med"/>
+                      <a:tailEnd type="none" w="med" len="med"/>
+                    </a:lnT>
+                    <a:lnB w="12700" cap="flat" cmpd="sng" algn="ctr">
+                      <a:solidFill>
+                        <a:schemeClr val="tx1"/>
+                      </a:solidFill>
+                      <a:prstDash val="solid"/>
+                      <a:round/>
+                      <a:headEnd type="none" w="med" len="med"/>
+                      <a:tailEnd type="none" w="med" len="med"/>
+                    </a:lnB>
+                    <a:lnTlToBr w="12700" cmpd="sng">
+                      <a:noFill/>
+                      <a:prstDash val="solid"/>
+                    </a:lnTlToBr>
+                    <a:lnBlToTr w="12700" cmpd="sng">
+                      <a:noFill/>
+                      <a:prstDash val="solid"/>
+                    </a:lnBlToTr>
+                    <a:solidFill>
+                      <a:schemeClr val="bg1"/>
+                    </a:solidFill>
+                  </a:tcPr>
+                </a:tc>
+                <a:tc>
+                  <a:txBody>
+                    <a:bodyPr/>
+                    <a:lstStyle/>
+                    <a:p>
+                      <a:pPr algn="r" fontAlgn="b"/>
+                      <a:r>
+                        <a:rPr lang="en-US" sz="2000" b="0" i="0" u="none" strike="noStrike" dirty="0" smtClean="0">
+                          <a:solidFill>
+                            <a:srgbClr val="000000"/>
+                          </a:solidFill>
+                          <a:effectLst/>
+                          <a:latin typeface="Calibri" panose="020F0502020204030204" pitchFamily="34" charset="0"/>
+                        </a:rPr>
+                        <a:t>9:15AM</a:t>
+                      </a:r>
+                      <a:endParaRPr lang="en-US" sz="2000" b="0" i="0" u="none" strike="noStrike" dirty="0">
+                        <a:solidFill>
+                          <a:srgbClr val="000000"/>
+                        </a:solidFill>
+                        <a:effectLst/>
+                        <a:latin typeface="Calibri" panose="020F0502020204030204" pitchFamily="34" charset="0"/>
+                      </a:endParaRPr>
+                    </a:p>
+                  </a:txBody>
+                  <a:tcPr marL="9525" marR="9525" marT="9525" marB="0" anchor="b">
+                    <a:lnL w="12700" cap="flat" cmpd="sng" algn="ctr">
+                      <a:solidFill>
+                        <a:schemeClr val="tx1"/>
+                      </a:solidFill>
+                      <a:prstDash val="solid"/>
+                      <a:round/>
+                      <a:headEnd type="none" w="med" len="med"/>
+                      <a:tailEnd type="none" w="med" len="med"/>
+                    </a:lnL>
+                    <a:lnR w="12700" cap="flat" cmpd="sng" algn="ctr">
+                      <a:solidFill>
+                        <a:schemeClr val="tx1"/>
+                      </a:solidFill>
+                      <a:prstDash val="solid"/>
+                      <a:round/>
+                      <a:headEnd type="none" w="med" len="med"/>
+                      <a:tailEnd type="none" w="med" len="med"/>
+                    </a:lnR>
+                    <a:lnT w="12700" cap="flat" cmpd="sng" algn="ctr">
+                      <a:solidFill>
+                        <a:schemeClr val="tx1"/>
+                      </a:solidFill>
+                      <a:prstDash val="solid"/>
+                      <a:round/>
+                      <a:headEnd type="none" w="med" len="med"/>
+                      <a:tailEnd type="none" w="med" len="med"/>
+                    </a:lnT>
+                    <a:lnB w="12700" cap="flat" cmpd="sng" algn="ctr">
+                      <a:solidFill>
+                        <a:schemeClr val="tx1"/>
+                      </a:solidFill>
+                      <a:prstDash val="solid"/>
+                      <a:round/>
+                      <a:headEnd type="none" w="med" len="med"/>
+                      <a:tailEnd type="none" w="med" len="med"/>
+                    </a:lnB>
+                    <a:lnTlToBr w="12700" cmpd="sng">
+                      <a:noFill/>
+                      <a:prstDash val="solid"/>
+                    </a:lnTlToBr>
+                    <a:lnBlToTr w="12700" cmpd="sng">
+                      <a:noFill/>
+                      <a:prstDash val="solid"/>
+                    </a:lnBlToTr>
+                    <a:solidFill>
+                      <a:schemeClr val="bg1"/>
+                    </a:solidFill>
+                  </a:tcPr>
+                </a:tc>
+              </a:tr>
+            </a:tbl>
+          </a:graphicData>
+        </a:graphic>
+      </p:graphicFrame>
     </p:spTree>
     <p:extLst>
       <p:ext uri="{BB962C8B-B14F-4D97-AF65-F5344CB8AC3E}">
